--- a/murach_html_4e/slides/Chapter 11 slides.pptx
+++ b/murach_html_4e/slides/Chapter 11 slides.pptx
@@ -367,7 +367,7 @@
               <a:pPr>
                 <a:defRPr/>
               </a:pPr>
-              <a:t>3/2/2018</a:t>
+              <a:t>7/7/2020</a:t>
             </a:fld>
             <a:endParaRPr lang="en-US"/>
           </a:p>
@@ -2238,7 +2238,7 @@
           <p:cNvPr id="6" name="Title 5">
             <a:extLst>
               <a:ext uri="{FF2B5EF4-FFF2-40B4-BE49-F238E27FC236}">
-                <a16:creationId xmlns:a16="http://schemas.microsoft.com/office/drawing/2014/main" xmlns="" id="{EC3A72EA-95A4-4971-A611-08118360D51D}"/>
+                <a16:creationId xmlns:a16="http://schemas.microsoft.com/office/drawing/2014/main" id="{EC3A72EA-95A4-4971-A611-08118360D51D}"/>
               </a:ext>
             </a:extLst>
           </p:cNvPr>
@@ -2266,7 +2266,7 @@
           <p:cNvPr id="7" name="Date Placeholder 6">
             <a:extLst>
               <a:ext uri="{FF2B5EF4-FFF2-40B4-BE49-F238E27FC236}">
-                <a16:creationId xmlns:a16="http://schemas.microsoft.com/office/drawing/2014/main" xmlns="" id="{3A008880-B528-4099-A0B3-2D0E80F8CC78}"/>
+                <a16:creationId xmlns:a16="http://schemas.microsoft.com/office/drawing/2014/main" id="{3A008880-B528-4099-A0B3-2D0E80F8CC78}"/>
               </a:ext>
             </a:extLst>
           </p:cNvPr>
@@ -2298,7 +2298,7 @@
           <p:cNvPr id="9" name="Footer Placeholder 8">
             <a:extLst>
               <a:ext uri="{FF2B5EF4-FFF2-40B4-BE49-F238E27FC236}">
-                <a16:creationId xmlns:a16="http://schemas.microsoft.com/office/drawing/2014/main" xmlns="" id="{C8360D25-52B4-4B71-950E-3EC41BEEAB70}"/>
+                <a16:creationId xmlns:a16="http://schemas.microsoft.com/office/drawing/2014/main" id="{C8360D25-52B4-4B71-950E-3EC41BEEAB70}"/>
               </a:ext>
             </a:extLst>
           </p:cNvPr>
@@ -2330,7 +2330,7 @@
           <p:cNvPr id="10" name="Slide Number Placeholder 9">
             <a:extLst>
               <a:ext uri="{FF2B5EF4-FFF2-40B4-BE49-F238E27FC236}">
-                <a16:creationId xmlns:a16="http://schemas.microsoft.com/office/drawing/2014/main" xmlns="" id="{713B274F-76DF-4B25-A5DA-6581D07DBBD6}"/>
+                <a16:creationId xmlns:a16="http://schemas.microsoft.com/office/drawing/2014/main" id="{713B274F-76DF-4B25-A5DA-6581D07DBBD6}"/>
               </a:ext>
             </a:extLst>
           </p:cNvPr>
@@ -2533,7 +2533,7 @@
           <p:cNvPr id="2" name="Date Placeholder 1">
             <a:extLst>
               <a:ext uri="{FF2B5EF4-FFF2-40B4-BE49-F238E27FC236}">
-                <a16:creationId xmlns:a16="http://schemas.microsoft.com/office/drawing/2014/main" xmlns="" id="{6D02E7DD-D20B-4D09-84D6-32F1D304E670}"/>
+                <a16:creationId xmlns:a16="http://schemas.microsoft.com/office/drawing/2014/main" id="{6D02E7DD-D20B-4D09-84D6-32F1D304E670}"/>
               </a:ext>
             </a:extLst>
           </p:cNvPr>
@@ -2565,7 +2565,7 @@
           <p:cNvPr id="8" name="Footer Placeholder 7">
             <a:extLst>
               <a:ext uri="{FF2B5EF4-FFF2-40B4-BE49-F238E27FC236}">
-                <a16:creationId xmlns:a16="http://schemas.microsoft.com/office/drawing/2014/main" xmlns="" id="{20324267-24A5-4D0F-A92C-3D175275B627}"/>
+                <a16:creationId xmlns:a16="http://schemas.microsoft.com/office/drawing/2014/main" id="{20324267-24A5-4D0F-A92C-3D175275B627}"/>
               </a:ext>
             </a:extLst>
           </p:cNvPr>
@@ -2597,7 +2597,7 @@
           <p:cNvPr id="9" name="Slide Number Placeholder 8">
             <a:extLst>
               <a:ext uri="{FF2B5EF4-FFF2-40B4-BE49-F238E27FC236}">
-                <a16:creationId xmlns:a16="http://schemas.microsoft.com/office/drawing/2014/main" xmlns="" id="{8C067DEB-36F0-403C-8941-ABD242E67C4B}"/>
+                <a16:creationId xmlns:a16="http://schemas.microsoft.com/office/drawing/2014/main" id="{8C067DEB-36F0-403C-8941-ABD242E67C4B}"/>
               </a:ext>
             </a:extLst>
           </p:cNvPr>
@@ -2784,7 +2784,7 @@
           <p:cNvPr id="2" name="Date Placeholder 1">
             <a:extLst>
               <a:ext uri="{FF2B5EF4-FFF2-40B4-BE49-F238E27FC236}">
-                <a16:creationId xmlns:a16="http://schemas.microsoft.com/office/drawing/2014/main" xmlns="" id="{35B08990-44BB-4421-8C0C-3DD793F264EF}"/>
+                <a16:creationId xmlns:a16="http://schemas.microsoft.com/office/drawing/2014/main" id="{35B08990-44BB-4421-8C0C-3DD793F264EF}"/>
               </a:ext>
             </a:extLst>
           </p:cNvPr>
@@ -2816,7 +2816,7 @@
           <p:cNvPr id="8" name="Footer Placeholder 7">
             <a:extLst>
               <a:ext uri="{FF2B5EF4-FFF2-40B4-BE49-F238E27FC236}">
-                <a16:creationId xmlns:a16="http://schemas.microsoft.com/office/drawing/2014/main" xmlns="" id="{0E6217F6-3D5D-4A37-88B7-98A7689BC4B7}"/>
+                <a16:creationId xmlns:a16="http://schemas.microsoft.com/office/drawing/2014/main" id="{0E6217F6-3D5D-4A37-88B7-98A7689BC4B7}"/>
               </a:ext>
             </a:extLst>
           </p:cNvPr>
@@ -2848,7 +2848,7 @@
           <p:cNvPr id="9" name="Slide Number Placeholder 8">
             <a:extLst>
               <a:ext uri="{FF2B5EF4-FFF2-40B4-BE49-F238E27FC236}">
-                <a16:creationId xmlns:a16="http://schemas.microsoft.com/office/drawing/2014/main" xmlns="" id="{F0D50C7F-EBF9-4D2B-A305-B70CB7BF8BE8}"/>
+                <a16:creationId xmlns:a16="http://schemas.microsoft.com/office/drawing/2014/main" id="{F0D50C7F-EBF9-4D2B-A305-B70CB7BF8BE8}"/>
               </a:ext>
             </a:extLst>
           </p:cNvPr>
@@ -3854,7 +3854,7 @@
           <p:cNvPr id="7" name="Footer Placeholder 6">
             <a:extLst>
               <a:ext uri="{FF2B5EF4-FFF2-40B4-BE49-F238E27FC236}">
-                <a16:creationId xmlns:a16="http://schemas.microsoft.com/office/drawing/2014/main" xmlns="" id="{095B7184-98C9-4A39-8BF5-58FBDCFD8AA2}"/>
+                <a16:creationId xmlns:a16="http://schemas.microsoft.com/office/drawing/2014/main" id="{095B7184-98C9-4A39-8BF5-58FBDCFD8AA2}"/>
               </a:ext>
             </a:extLst>
           </p:cNvPr>
@@ -3968,7 +3968,7 @@
           <p:cNvPr id="2" name="Title 1">
             <a:extLst>
               <a:ext uri="{FF2B5EF4-FFF2-40B4-BE49-F238E27FC236}">
-                <a16:creationId xmlns:a16="http://schemas.microsoft.com/office/drawing/2014/main" xmlns="" id="{6E43718D-5EC8-4E93-A567-477517873D9F}"/>
+                <a16:creationId xmlns:a16="http://schemas.microsoft.com/office/drawing/2014/main" id="{6E43718D-5EC8-4E93-A567-477517873D9F}"/>
               </a:ext>
             </a:extLst>
           </p:cNvPr>
@@ -4012,7 +4012,7 @@
           <p:cNvPr id="3" name="Text Placeholder 2">
             <a:extLst>
               <a:ext uri="{FF2B5EF4-FFF2-40B4-BE49-F238E27FC236}">
-                <a16:creationId xmlns:a16="http://schemas.microsoft.com/office/drawing/2014/main" xmlns="" id="{BCDE75A0-C7F3-4E8D-9379-0BA69D7C1988}"/>
+                <a16:creationId xmlns:a16="http://schemas.microsoft.com/office/drawing/2014/main" id="{BCDE75A0-C7F3-4E8D-9379-0BA69D7C1988}"/>
               </a:ext>
             </a:extLst>
           </p:cNvPr>
@@ -4203,7 +4203,7 @@
           <p:cNvPr id="4" name="Date Placeholder 3">
             <a:extLst>
               <a:ext uri="{FF2B5EF4-FFF2-40B4-BE49-F238E27FC236}">
-                <a16:creationId xmlns:a16="http://schemas.microsoft.com/office/drawing/2014/main" xmlns="" id="{BB34185C-514D-41D5-A641-D694053D6EBF}"/>
+                <a16:creationId xmlns:a16="http://schemas.microsoft.com/office/drawing/2014/main" id="{BB34185C-514D-41D5-A641-D694053D6EBF}"/>
               </a:ext>
             </a:extLst>
           </p:cNvPr>
@@ -4235,7 +4235,7 @@
           <p:cNvPr id="5" name="Footer Placeholder 4">
             <a:extLst>
               <a:ext uri="{FF2B5EF4-FFF2-40B4-BE49-F238E27FC236}">
-                <a16:creationId xmlns:a16="http://schemas.microsoft.com/office/drawing/2014/main" xmlns="" id="{BC4AE04B-6A6A-46D2-B464-A495ED61194B}"/>
+                <a16:creationId xmlns:a16="http://schemas.microsoft.com/office/drawing/2014/main" id="{BC4AE04B-6A6A-46D2-B464-A495ED61194B}"/>
               </a:ext>
             </a:extLst>
           </p:cNvPr>
@@ -4267,7 +4267,7 @@
           <p:cNvPr id="6" name="Slide Number Placeholder 5">
             <a:extLst>
               <a:ext uri="{FF2B5EF4-FFF2-40B4-BE49-F238E27FC236}">
-                <a16:creationId xmlns:a16="http://schemas.microsoft.com/office/drawing/2014/main" xmlns="" id="{3F43D235-CDDC-445A-BC5C-625681A7C89A}"/>
+                <a16:creationId xmlns:a16="http://schemas.microsoft.com/office/drawing/2014/main" id="{3F43D235-CDDC-445A-BC5C-625681A7C89A}"/>
               </a:ext>
             </a:extLst>
           </p:cNvPr>
@@ -4356,7 +4356,7 @@
           <p:cNvPr id="2" name="Title 1">
             <a:extLst>
               <a:ext uri="{FF2B5EF4-FFF2-40B4-BE49-F238E27FC236}">
-                <a16:creationId xmlns:a16="http://schemas.microsoft.com/office/drawing/2014/main" xmlns="" id="{1F92148B-C752-4FCC-8C35-D5991092207B}"/>
+                <a16:creationId xmlns:a16="http://schemas.microsoft.com/office/drawing/2014/main" id="{1F92148B-C752-4FCC-8C35-D5991092207B}"/>
               </a:ext>
             </a:extLst>
           </p:cNvPr>
@@ -4400,7 +4400,7 @@
           <p:cNvPr id="3" name="Text Placeholder 2">
             <a:extLst>
               <a:ext uri="{FF2B5EF4-FFF2-40B4-BE49-F238E27FC236}">
-                <a16:creationId xmlns:a16="http://schemas.microsoft.com/office/drawing/2014/main" xmlns="" id="{67CDFDF6-E540-464A-9160-11CD2199F29D}"/>
+                <a16:creationId xmlns:a16="http://schemas.microsoft.com/office/drawing/2014/main" id="{67CDFDF6-E540-464A-9160-11CD2199F29D}"/>
               </a:ext>
             </a:extLst>
           </p:cNvPr>
@@ -4794,7 +4794,7 @@
           <p:cNvPr id="4" name="Date Placeholder 3">
             <a:extLst>
               <a:ext uri="{FF2B5EF4-FFF2-40B4-BE49-F238E27FC236}">
-                <a16:creationId xmlns:a16="http://schemas.microsoft.com/office/drawing/2014/main" xmlns="" id="{E68388BD-3139-4DDA-85BB-BA78ADFF9306}"/>
+                <a16:creationId xmlns:a16="http://schemas.microsoft.com/office/drawing/2014/main" id="{E68388BD-3139-4DDA-85BB-BA78ADFF9306}"/>
               </a:ext>
             </a:extLst>
           </p:cNvPr>
@@ -4829,7 +4829,7 @@
           <p:cNvPr id="5" name="Footer Placeholder 4">
             <a:extLst>
               <a:ext uri="{FF2B5EF4-FFF2-40B4-BE49-F238E27FC236}">
-                <a16:creationId xmlns:a16="http://schemas.microsoft.com/office/drawing/2014/main" xmlns="" id="{9981C36C-DEB9-4392-9FF9-9F64ED5D76EC}"/>
+                <a16:creationId xmlns:a16="http://schemas.microsoft.com/office/drawing/2014/main" id="{9981C36C-DEB9-4392-9FF9-9F64ED5D76EC}"/>
               </a:ext>
             </a:extLst>
           </p:cNvPr>
@@ -4860,7 +4860,7 @@
           <p:cNvPr id="6" name="Slide Number Placeholder 5">
             <a:extLst>
               <a:ext uri="{FF2B5EF4-FFF2-40B4-BE49-F238E27FC236}">
-                <a16:creationId xmlns:a16="http://schemas.microsoft.com/office/drawing/2014/main" xmlns="" id="{318B841B-70E4-4137-BB77-F6202BC80942}"/>
+                <a16:creationId xmlns:a16="http://schemas.microsoft.com/office/drawing/2014/main" id="{318B841B-70E4-4137-BB77-F6202BC80942}"/>
               </a:ext>
             </a:extLst>
           </p:cNvPr>
@@ -4949,7 +4949,7 @@
           <p:cNvPr id="2" name="Title 1">
             <a:extLst>
               <a:ext uri="{FF2B5EF4-FFF2-40B4-BE49-F238E27FC236}">
-                <a16:creationId xmlns:a16="http://schemas.microsoft.com/office/drawing/2014/main" xmlns="" id="{DCA494EA-8ED9-41F5-83D9-ACA1EA4BFDEE}"/>
+                <a16:creationId xmlns:a16="http://schemas.microsoft.com/office/drawing/2014/main" id="{DCA494EA-8ED9-41F5-83D9-ACA1EA4BFDEE}"/>
               </a:ext>
             </a:extLst>
           </p:cNvPr>
@@ -5008,7 +5008,7 @@
           <p:cNvPr id="10" name="Content Placeholder 9" descr="See page 396 in book" title="See slide title">
             <a:extLst>
               <a:ext uri="{FF2B5EF4-FFF2-40B4-BE49-F238E27FC236}">
-                <a16:creationId xmlns:a16="http://schemas.microsoft.com/office/drawing/2014/main" xmlns="" id="{68B5F668-B417-409F-90E1-E588F21A21F0}"/>
+                <a16:creationId xmlns:a16="http://schemas.microsoft.com/office/drawing/2014/main" id="{68B5F668-B417-409F-90E1-E588F21A21F0}"/>
               </a:ext>
             </a:extLst>
           </p:cNvPr>
@@ -5040,7 +5040,7 @@
           <p:cNvPr id="4" name="Date Placeholder 3">
             <a:extLst>
               <a:ext uri="{FF2B5EF4-FFF2-40B4-BE49-F238E27FC236}">
-                <a16:creationId xmlns:a16="http://schemas.microsoft.com/office/drawing/2014/main" xmlns="" id="{C15D35C9-6E58-4D72-BB47-27EB138163F1}"/>
+                <a16:creationId xmlns:a16="http://schemas.microsoft.com/office/drawing/2014/main" id="{C15D35C9-6E58-4D72-BB47-27EB138163F1}"/>
               </a:ext>
             </a:extLst>
           </p:cNvPr>
@@ -5072,7 +5072,7 @@
           <p:cNvPr id="5" name="Footer Placeholder 4">
             <a:extLst>
               <a:ext uri="{FF2B5EF4-FFF2-40B4-BE49-F238E27FC236}">
-                <a16:creationId xmlns:a16="http://schemas.microsoft.com/office/drawing/2014/main" xmlns="" id="{587CB2EA-72F3-4F4B-B452-ED56121E4F28}"/>
+                <a16:creationId xmlns:a16="http://schemas.microsoft.com/office/drawing/2014/main" id="{587CB2EA-72F3-4F4B-B452-ED56121E4F28}"/>
               </a:ext>
             </a:extLst>
           </p:cNvPr>
@@ -5104,7 +5104,7 @@
           <p:cNvPr id="6" name="Slide Number Placeholder 5">
             <a:extLst>
               <a:ext uri="{FF2B5EF4-FFF2-40B4-BE49-F238E27FC236}">
-                <a16:creationId xmlns:a16="http://schemas.microsoft.com/office/drawing/2014/main" xmlns="" id="{15A2B3B9-E4BA-48D3-96A7-2E1165BF2E0C}"/>
+                <a16:creationId xmlns:a16="http://schemas.microsoft.com/office/drawing/2014/main" id="{15A2B3B9-E4BA-48D3-96A7-2E1165BF2E0C}"/>
               </a:ext>
             </a:extLst>
           </p:cNvPr>
@@ -5193,7 +5193,7 @@
           <p:cNvPr id="2" name="Title 1">
             <a:extLst>
               <a:ext uri="{FF2B5EF4-FFF2-40B4-BE49-F238E27FC236}">
-                <a16:creationId xmlns:a16="http://schemas.microsoft.com/office/drawing/2014/main" xmlns="" id="{111C2496-65DA-4C3D-8FF1-FB03A98455B4}"/>
+                <a16:creationId xmlns:a16="http://schemas.microsoft.com/office/drawing/2014/main" id="{111C2496-65DA-4C3D-8FF1-FB03A98455B4}"/>
               </a:ext>
             </a:extLst>
           </p:cNvPr>
@@ -5257,7 +5257,7 @@
           <p:cNvPr id="12" name="Content Placeholder 11" descr="See page 396 in book" title="See slide title">
             <a:extLst>
               <a:ext uri="{FF2B5EF4-FFF2-40B4-BE49-F238E27FC236}">
-                <a16:creationId xmlns:a16="http://schemas.microsoft.com/office/drawing/2014/main" xmlns="" id="{DD686DC3-5A0C-4045-8970-46A3BFEC46F1}"/>
+                <a16:creationId xmlns:a16="http://schemas.microsoft.com/office/drawing/2014/main" id="{DD686DC3-5A0C-4045-8970-46A3BFEC46F1}"/>
               </a:ext>
             </a:extLst>
           </p:cNvPr>
@@ -5295,7 +5295,7 @@
           <p:cNvPr id="4" name="Date Placeholder 3">
             <a:extLst>
               <a:ext uri="{FF2B5EF4-FFF2-40B4-BE49-F238E27FC236}">
-                <a16:creationId xmlns:a16="http://schemas.microsoft.com/office/drawing/2014/main" xmlns="" id="{A26CB7C0-4545-4B85-9AB5-0FC9669ECB6C}"/>
+                <a16:creationId xmlns:a16="http://schemas.microsoft.com/office/drawing/2014/main" id="{A26CB7C0-4545-4B85-9AB5-0FC9669ECB6C}"/>
               </a:ext>
             </a:extLst>
           </p:cNvPr>
@@ -5327,7 +5327,7 @@
           <p:cNvPr id="5" name="Footer Placeholder 4">
             <a:extLst>
               <a:ext uri="{FF2B5EF4-FFF2-40B4-BE49-F238E27FC236}">
-                <a16:creationId xmlns:a16="http://schemas.microsoft.com/office/drawing/2014/main" xmlns="" id="{1936624E-3745-453A-8242-40CFAE93CD68}"/>
+                <a16:creationId xmlns:a16="http://schemas.microsoft.com/office/drawing/2014/main" id="{1936624E-3745-453A-8242-40CFAE93CD68}"/>
               </a:ext>
             </a:extLst>
           </p:cNvPr>
@@ -5359,7 +5359,7 @@
           <p:cNvPr id="6" name="Slide Number Placeholder 5">
             <a:extLst>
               <a:ext uri="{FF2B5EF4-FFF2-40B4-BE49-F238E27FC236}">
-                <a16:creationId xmlns:a16="http://schemas.microsoft.com/office/drawing/2014/main" xmlns="" id="{40879EE1-0DD0-4975-9930-55F0C5AC081A}"/>
+                <a16:creationId xmlns:a16="http://schemas.microsoft.com/office/drawing/2014/main" id="{40879EE1-0DD0-4975-9930-55F0C5AC081A}"/>
               </a:ext>
             </a:extLst>
           </p:cNvPr>
@@ -5448,7 +5448,7 @@
           <p:cNvPr id="2" name="Title 1">
             <a:extLst>
               <a:ext uri="{FF2B5EF4-FFF2-40B4-BE49-F238E27FC236}">
-                <a16:creationId xmlns:a16="http://schemas.microsoft.com/office/drawing/2014/main" xmlns="" id="{2CF6D58C-D331-469F-AD0E-FD522C8C7DF4}"/>
+                <a16:creationId xmlns:a16="http://schemas.microsoft.com/office/drawing/2014/main" id="{2CF6D58C-D331-469F-AD0E-FD522C8C7DF4}"/>
               </a:ext>
             </a:extLst>
           </p:cNvPr>
@@ -5492,7 +5492,7 @@
           <p:cNvPr id="3" name="Text Placeholder 2">
             <a:extLst>
               <a:ext uri="{FF2B5EF4-FFF2-40B4-BE49-F238E27FC236}">
-                <a16:creationId xmlns:a16="http://schemas.microsoft.com/office/drawing/2014/main" xmlns="" id="{102223DD-BBB8-4B3B-BE3C-96627FEB4195}"/>
+                <a16:creationId xmlns:a16="http://schemas.microsoft.com/office/drawing/2014/main" id="{102223DD-BBB8-4B3B-BE3C-96627FEB4195}"/>
               </a:ext>
             </a:extLst>
           </p:cNvPr>
@@ -5567,7 +5567,7 @@
           <p:cNvPr id="4" name="Date Placeholder 3">
             <a:extLst>
               <a:ext uri="{FF2B5EF4-FFF2-40B4-BE49-F238E27FC236}">
-                <a16:creationId xmlns:a16="http://schemas.microsoft.com/office/drawing/2014/main" xmlns="" id="{D1C939C7-1374-4D6C-9887-5FF950D519E0}"/>
+                <a16:creationId xmlns:a16="http://schemas.microsoft.com/office/drawing/2014/main" id="{D1C939C7-1374-4D6C-9887-5FF950D519E0}"/>
               </a:ext>
             </a:extLst>
           </p:cNvPr>
@@ -5599,7 +5599,7 @@
           <p:cNvPr id="5" name="Footer Placeholder 4">
             <a:extLst>
               <a:ext uri="{FF2B5EF4-FFF2-40B4-BE49-F238E27FC236}">
-                <a16:creationId xmlns:a16="http://schemas.microsoft.com/office/drawing/2014/main" xmlns="" id="{1FA68D15-1C41-4E79-877F-B78E05DC8996}"/>
+                <a16:creationId xmlns:a16="http://schemas.microsoft.com/office/drawing/2014/main" id="{1FA68D15-1C41-4E79-877F-B78E05DC8996}"/>
               </a:ext>
             </a:extLst>
           </p:cNvPr>
@@ -5631,7 +5631,7 @@
           <p:cNvPr id="6" name="Slide Number Placeholder 5">
             <a:extLst>
               <a:ext uri="{FF2B5EF4-FFF2-40B4-BE49-F238E27FC236}">
-                <a16:creationId xmlns:a16="http://schemas.microsoft.com/office/drawing/2014/main" xmlns="" id="{88EB7E3A-431F-4975-8E95-3F383A703F2A}"/>
+                <a16:creationId xmlns:a16="http://schemas.microsoft.com/office/drawing/2014/main" id="{88EB7E3A-431F-4975-8E95-3F383A703F2A}"/>
               </a:ext>
             </a:extLst>
           </p:cNvPr>
@@ -5720,7 +5720,7 @@
           <p:cNvPr id="2" name="Title 1">
             <a:extLst>
               <a:ext uri="{FF2B5EF4-FFF2-40B4-BE49-F238E27FC236}">
-                <a16:creationId xmlns:a16="http://schemas.microsoft.com/office/drawing/2014/main" xmlns="" id="{1E3C5E92-C6C6-444A-92C6-5A715A2FFE14}"/>
+                <a16:creationId xmlns:a16="http://schemas.microsoft.com/office/drawing/2014/main" id="{1E3C5E92-C6C6-444A-92C6-5A715A2FFE14}"/>
               </a:ext>
             </a:extLst>
           </p:cNvPr>
@@ -5764,7 +5764,7 @@
           <p:cNvPr id="3" name="Text Placeholder 2">
             <a:extLst>
               <a:ext uri="{FF2B5EF4-FFF2-40B4-BE49-F238E27FC236}">
-                <a16:creationId xmlns:a16="http://schemas.microsoft.com/office/drawing/2014/main" xmlns="" id="{DF7C7E9C-8DC3-46FE-AD06-779DB5BF8FC6}"/>
+                <a16:creationId xmlns:a16="http://schemas.microsoft.com/office/drawing/2014/main" id="{DF7C7E9C-8DC3-46FE-AD06-779DB5BF8FC6}"/>
               </a:ext>
             </a:extLst>
           </p:cNvPr>
@@ -6080,7 +6080,7 @@
           <p:cNvPr id="4" name="Date Placeholder 3">
             <a:extLst>
               <a:ext uri="{FF2B5EF4-FFF2-40B4-BE49-F238E27FC236}">
-                <a16:creationId xmlns:a16="http://schemas.microsoft.com/office/drawing/2014/main" xmlns="" id="{7ABCB531-8B0D-4AE9-9B54-CAE4A436346C}"/>
+                <a16:creationId xmlns:a16="http://schemas.microsoft.com/office/drawing/2014/main" id="{7ABCB531-8B0D-4AE9-9B54-CAE4A436346C}"/>
               </a:ext>
             </a:extLst>
           </p:cNvPr>
@@ -6112,7 +6112,7 @@
           <p:cNvPr id="5" name="Footer Placeholder 4">
             <a:extLst>
               <a:ext uri="{FF2B5EF4-FFF2-40B4-BE49-F238E27FC236}">
-                <a16:creationId xmlns:a16="http://schemas.microsoft.com/office/drawing/2014/main" xmlns="" id="{7ECA70CB-8643-4AF3-8AC5-BB83FB544F53}"/>
+                <a16:creationId xmlns:a16="http://schemas.microsoft.com/office/drawing/2014/main" id="{7ECA70CB-8643-4AF3-8AC5-BB83FB544F53}"/>
               </a:ext>
             </a:extLst>
           </p:cNvPr>
@@ -6144,7 +6144,7 @@
           <p:cNvPr id="6" name="Slide Number Placeholder 5">
             <a:extLst>
               <a:ext uri="{FF2B5EF4-FFF2-40B4-BE49-F238E27FC236}">
-                <a16:creationId xmlns:a16="http://schemas.microsoft.com/office/drawing/2014/main" xmlns="" id="{FCC6D026-510E-4220-A5EA-76C6623501AE}"/>
+                <a16:creationId xmlns:a16="http://schemas.microsoft.com/office/drawing/2014/main" id="{FCC6D026-510E-4220-A5EA-76C6623501AE}"/>
               </a:ext>
             </a:extLst>
           </p:cNvPr>
@@ -6233,7 +6233,7 @@
           <p:cNvPr id="2" name="Title 1">
             <a:extLst>
               <a:ext uri="{FF2B5EF4-FFF2-40B4-BE49-F238E27FC236}">
-                <a16:creationId xmlns:a16="http://schemas.microsoft.com/office/drawing/2014/main" xmlns="" id="{EE9B68F8-6E40-462A-8DAD-997CD46C6F37}"/>
+                <a16:creationId xmlns:a16="http://schemas.microsoft.com/office/drawing/2014/main" id="{EE9B68F8-6E40-462A-8DAD-997CD46C6F37}"/>
               </a:ext>
             </a:extLst>
           </p:cNvPr>
@@ -6297,7 +6297,7 @@
           <p:cNvPr id="3" name="Text Placeholder 2">
             <a:extLst>
               <a:ext uri="{FF2B5EF4-FFF2-40B4-BE49-F238E27FC236}">
-                <a16:creationId xmlns:a16="http://schemas.microsoft.com/office/drawing/2014/main" xmlns="" id="{079C57D9-6073-4AF6-88A1-DAAC15CDAD04}"/>
+                <a16:creationId xmlns:a16="http://schemas.microsoft.com/office/drawing/2014/main" id="{079C57D9-6073-4AF6-88A1-DAAC15CDAD04}"/>
               </a:ext>
             </a:extLst>
           </p:cNvPr>
@@ -6440,7 +6440,7 @@
           <p:cNvPr id="4" name="Date Placeholder 3">
             <a:extLst>
               <a:ext uri="{FF2B5EF4-FFF2-40B4-BE49-F238E27FC236}">
-                <a16:creationId xmlns:a16="http://schemas.microsoft.com/office/drawing/2014/main" xmlns="" id="{DE30537A-C3DB-4FDF-98BE-D22E2B04B1F5}"/>
+                <a16:creationId xmlns:a16="http://schemas.microsoft.com/office/drawing/2014/main" id="{DE30537A-C3DB-4FDF-98BE-D22E2B04B1F5}"/>
               </a:ext>
             </a:extLst>
           </p:cNvPr>
@@ -6472,7 +6472,7 @@
           <p:cNvPr id="5" name="Footer Placeholder 4">
             <a:extLst>
               <a:ext uri="{FF2B5EF4-FFF2-40B4-BE49-F238E27FC236}">
-                <a16:creationId xmlns:a16="http://schemas.microsoft.com/office/drawing/2014/main" xmlns="" id="{145657DF-9B46-45D5-991E-67CC6151FBF1}"/>
+                <a16:creationId xmlns:a16="http://schemas.microsoft.com/office/drawing/2014/main" id="{145657DF-9B46-45D5-991E-67CC6151FBF1}"/>
               </a:ext>
             </a:extLst>
           </p:cNvPr>
@@ -6504,7 +6504,7 @@
           <p:cNvPr id="6" name="Slide Number Placeholder 5">
             <a:extLst>
               <a:ext uri="{FF2B5EF4-FFF2-40B4-BE49-F238E27FC236}">
-                <a16:creationId xmlns:a16="http://schemas.microsoft.com/office/drawing/2014/main" xmlns="" id="{2AF312E3-D4EA-4392-B08A-83AD4657D337}"/>
+                <a16:creationId xmlns:a16="http://schemas.microsoft.com/office/drawing/2014/main" id="{2AF312E3-D4EA-4392-B08A-83AD4657D337}"/>
               </a:ext>
             </a:extLst>
           </p:cNvPr>
@@ -6593,7 +6593,7 @@
           <p:cNvPr id="2" name="Title 1">
             <a:extLst>
               <a:ext uri="{FF2B5EF4-FFF2-40B4-BE49-F238E27FC236}">
-                <a16:creationId xmlns:a16="http://schemas.microsoft.com/office/drawing/2014/main" xmlns="" id="{BAD3D1BF-5637-43A1-913E-1BC2F2EED62D}"/>
+                <a16:creationId xmlns:a16="http://schemas.microsoft.com/office/drawing/2014/main" id="{BAD3D1BF-5637-43A1-913E-1BC2F2EED62D}"/>
               </a:ext>
             </a:extLst>
           </p:cNvPr>
@@ -6637,7 +6637,7 @@
           <p:cNvPr id="7" name="Content Placeholder 6" descr="See page 398 in book" title="See slide title">
             <a:extLst>
               <a:ext uri="{FF2B5EF4-FFF2-40B4-BE49-F238E27FC236}">
-                <a16:creationId xmlns:a16="http://schemas.microsoft.com/office/drawing/2014/main" xmlns="" id="{2F83DA41-10AA-4BF8-A799-DC7870CEAA1C}"/>
+                <a16:creationId xmlns:a16="http://schemas.microsoft.com/office/drawing/2014/main" id="{2F83DA41-10AA-4BF8-A799-DC7870CEAA1C}"/>
               </a:ext>
             </a:extLst>
           </p:cNvPr>
@@ -6680,7 +6680,7 @@
           <p:cNvPr id="4" name="Date Placeholder 3">
             <a:extLst>
               <a:ext uri="{FF2B5EF4-FFF2-40B4-BE49-F238E27FC236}">
-                <a16:creationId xmlns:a16="http://schemas.microsoft.com/office/drawing/2014/main" xmlns="" id="{D63A5606-896B-4ED2-8ACF-B5B437A4D34A}"/>
+                <a16:creationId xmlns:a16="http://schemas.microsoft.com/office/drawing/2014/main" id="{D63A5606-896B-4ED2-8ACF-B5B437A4D34A}"/>
               </a:ext>
             </a:extLst>
           </p:cNvPr>
@@ -6712,7 +6712,7 @@
           <p:cNvPr id="5" name="Footer Placeholder 4">
             <a:extLst>
               <a:ext uri="{FF2B5EF4-FFF2-40B4-BE49-F238E27FC236}">
-                <a16:creationId xmlns:a16="http://schemas.microsoft.com/office/drawing/2014/main" xmlns="" id="{FE450CB8-D119-4582-BE2C-FDCD1E3067B5}"/>
+                <a16:creationId xmlns:a16="http://schemas.microsoft.com/office/drawing/2014/main" id="{FE450CB8-D119-4582-BE2C-FDCD1E3067B5}"/>
               </a:ext>
             </a:extLst>
           </p:cNvPr>
@@ -6744,7 +6744,7 @@
           <p:cNvPr id="6" name="Slide Number Placeholder 5">
             <a:extLst>
               <a:ext uri="{FF2B5EF4-FFF2-40B4-BE49-F238E27FC236}">
-                <a16:creationId xmlns:a16="http://schemas.microsoft.com/office/drawing/2014/main" xmlns="" id="{B8985781-114B-4574-A93B-F2F5B97F2C56}"/>
+                <a16:creationId xmlns:a16="http://schemas.microsoft.com/office/drawing/2014/main" id="{B8985781-114B-4574-A93B-F2F5B97F2C56}"/>
               </a:ext>
             </a:extLst>
           </p:cNvPr>
@@ -6833,7 +6833,7 @@
           <p:cNvPr id="2" name="Title 1">
             <a:extLst>
               <a:ext uri="{FF2B5EF4-FFF2-40B4-BE49-F238E27FC236}">
-                <a16:creationId xmlns:a16="http://schemas.microsoft.com/office/drawing/2014/main" xmlns="" id="{69299CF7-E348-41C6-B2B3-3B5F157FB589}"/>
+                <a16:creationId xmlns:a16="http://schemas.microsoft.com/office/drawing/2014/main" id="{69299CF7-E348-41C6-B2B3-3B5F157FB589}"/>
               </a:ext>
             </a:extLst>
           </p:cNvPr>
@@ -6893,7 +6893,7 @@
           <p:cNvPr id="7" name="Content Placeholder 6" descr="See page 400 in book" title="See slide title">
             <a:extLst>
               <a:ext uri="{FF2B5EF4-FFF2-40B4-BE49-F238E27FC236}">
-                <a16:creationId xmlns:a16="http://schemas.microsoft.com/office/drawing/2014/main" xmlns="" id="{C98087BF-3B33-43FE-9B91-1C1DE137456E}"/>
+                <a16:creationId xmlns:a16="http://schemas.microsoft.com/office/drawing/2014/main" id="{C98087BF-3B33-43FE-9B91-1C1DE137456E}"/>
               </a:ext>
             </a:extLst>
           </p:cNvPr>
@@ -6936,7 +6936,7 @@
           <p:cNvPr id="4" name="Date Placeholder 3">
             <a:extLst>
               <a:ext uri="{FF2B5EF4-FFF2-40B4-BE49-F238E27FC236}">
-                <a16:creationId xmlns:a16="http://schemas.microsoft.com/office/drawing/2014/main" xmlns="" id="{CCCD5BA3-6B2F-4843-97F5-1AD08844EA41}"/>
+                <a16:creationId xmlns:a16="http://schemas.microsoft.com/office/drawing/2014/main" id="{CCCD5BA3-6B2F-4843-97F5-1AD08844EA41}"/>
               </a:ext>
             </a:extLst>
           </p:cNvPr>
@@ -6968,7 +6968,7 @@
           <p:cNvPr id="5" name="Footer Placeholder 4">
             <a:extLst>
               <a:ext uri="{FF2B5EF4-FFF2-40B4-BE49-F238E27FC236}">
-                <a16:creationId xmlns:a16="http://schemas.microsoft.com/office/drawing/2014/main" xmlns="" id="{ED2C623F-2255-4C02-9AD2-A9970EEC3B5E}"/>
+                <a16:creationId xmlns:a16="http://schemas.microsoft.com/office/drawing/2014/main" id="{ED2C623F-2255-4C02-9AD2-A9970EEC3B5E}"/>
               </a:ext>
             </a:extLst>
           </p:cNvPr>
@@ -7000,7 +7000,7 @@
           <p:cNvPr id="6" name="Slide Number Placeholder 5">
             <a:extLst>
               <a:ext uri="{FF2B5EF4-FFF2-40B4-BE49-F238E27FC236}">
-                <a16:creationId xmlns:a16="http://schemas.microsoft.com/office/drawing/2014/main" xmlns="" id="{FD660FB8-8AB8-4E51-AD54-353AC3CACA5F}"/>
+                <a16:creationId xmlns:a16="http://schemas.microsoft.com/office/drawing/2014/main" id="{FD660FB8-8AB8-4E51-AD54-353AC3CACA5F}"/>
               </a:ext>
             </a:extLst>
           </p:cNvPr>
@@ -7089,7 +7089,7 @@
           <p:cNvPr id="2" name="Title 1">
             <a:extLst>
               <a:ext uri="{FF2B5EF4-FFF2-40B4-BE49-F238E27FC236}">
-                <a16:creationId xmlns:a16="http://schemas.microsoft.com/office/drawing/2014/main" xmlns="" id="{49AABE30-8BF0-48D2-9D83-669C62DC0C33}"/>
+                <a16:creationId xmlns:a16="http://schemas.microsoft.com/office/drawing/2014/main" id="{49AABE30-8BF0-48D2-9D83-669C62DC0C33}"/>
               </a:ext>
             </a:extLst>
           </p:cNvPr>
@@ -7149,7 +7149,7 @@
           <p:cNvPr id="3" name="Text Placeholder 2">
             <a:extLst>
               <a:ext uri="{FF2B5EF4-FFF2-40B4-BE49-F238E27FC236}">
-                <a16:creationId xmlns:a16="http://schemas.microsoft.com/office/drawing/2014/main" xmlns="" id="{CE2B8125-8BDB-4B92-8658-E1E14FD555DE}"/>
+                <a16:creationId xmlns:a16="http://schemas.microsoft.com/office/drawing/2014/main" id="{CE2B8125-8BDB-4B92-8658-E1E14FD555DE}"/>
               </a:ext>
             </a:extLst>
           </p:cNvPr>
@@ -7388,10 +7388,23 @@
                 <a:ea typeface="Times New Roman" panose="02020603050405020304" pitchFamily="18" charset="0"/>
                 <a:cs typeface="Times New Roman" panose="02020603050405020304" pitchFamily="18" charset="0"/>
               </a:rPr>
-              <a:t>&gt;Scott Sampson and </a:t>
-            </a:r>
-            <a:r>
-              <a:rPr lang="en-US" sz="1600" b="1" dirty="0" smtClean="0">
+              <a:t>&gt;Scott Sampson and friend</a:t>
+            </a:r>
+          </a:p>
+          <a:p>
+            <a:pPr marL="347345" marR="0">
+              <a:spcBef>
+                <a:spcPts val="0"/>
+              </a:spcBef>
+              <a:spcAft>
+                <a:spcPts val="0"/>
+              </a:spcAft>
+              <a:tabLst>
+                <a:tab pos="1371600" algn="l"/>
+              </a:tabLst>
+            </a:pPr>
+            <a:r>
+              <a:rPr lang="en-US" sz="1600" b="1" dirty="0">
                 <a:highlight>
                   <a:srgbClr val="FFFFFF"/>
                 </a:highlight>
@@ -7399,53 +7412,7 @@
                 <a:ea typeface="Times New Roman" panose="02020603050405020304" pitchFamily="18" charset="0"/>
                 <a:cs typeface="Times New Roman" panose="02020603050405020304" pitchFamily="18" charset="0"/>
               </a:rPr>
-              <a:t>friend</a:t>
-            </a:r>
-          </a:p>
-          <a:p>
-            <a:pPr marL="347345" marR="0">
-              <a:spcBef>
-                <a:spcPts val="0"/>
-              </a:spcBef>
-              <a:spcAft>
-                <a:spcPts val="0"/>
-              </a:spcAft>
-              <a:tabLst>
-                <a:tab pos="1371600" algn="l"/>
-              </a:tabLst>
-            </a:pPr>
-            <a:r>
-              <a:rPr lang="en-US" sz="1600" b="1" dirty="0">
-                <a:highlight>
-                  <a:srgbClr val="FFFFFF"/>
-                </a:highlight>
-                <a:latin typeface="Courier New" panose="02070309020205020404" pitchFamily="49" charset="0"/>
-                <a:ea typeface="Times New Roman" panose="02020603050405020304" pitchFamily="18" charset="0"/>
-                <a:cs typeface="Times New Roman" panose="02020603050405020304" pitchFamily="18" charset="0"/>
-              </a:rPr>
-              <a:t> </a:t>
-            </a:r>
-            <a:r>
-              <a:rPr lang="en-US" sz="1600" b="1" dirty="0" smtClean="0">
-                <a:highlight>
-                  <a:srgbClr val="FFFFFF"/>
-                </a:highlight>
-                <a:latin typeface="Courier New" panose="02070309020205020404" pitchFamily="49" charset="0"/>
-                <a:ea typeface="Times New Roman" panose="02020603050405020304" pitchFamily="18" charset="0"/>
-                <a:cs typeface="Times New Roman" panose="02020603050405020304" pitchFamily="18" charset="0"/>
-              </a:rPr>
-              <a:t>       </a:t>
-            </a:r>
-            <a:r>
-              <a:rPr lang="en-US" sz="1600" b="1" dirty="0" smtClean="0">
-                <a:highlight>
-                  <a:srgbClr val="FFFFFF"/>
-                </a:highlight>
-                <a:latin typeface="Courier New" panose="02070309020205020404" pitchFamily="49" charset="0"/>
-                <a:ea typeface="Times New Roman" panose="02020603050405020304" pitchFamily="18" charset="0"/>
-                <a:cs typeface="Times New Roman" panose="02020603050405020304" pitchFamily="18" charset="0"/>
-              </a:rPr>
-              <a:t>&lt;/</a:t>
+              <a:t>        &lt;/</a:t>
             </a:r>
             <a:r>
               <a:rPr lang="en-US" sz="1600" b="1" dirty="0" err="1">
@@ -7567,7 +7534,7 @@
           <p:cNvPr id="4" name="Date Placeholder 3">
             <a:extLst>
               <a:ext uri="{FF2B5EF4-FFF2-40B4-BE49-F238E27FC236}">
-                <a16:creationId xmlns:a16="http://schemas.microsoft.com/office/drawing/2014/main" xmlns="" id="{67539971-5BF2-452F-8431-4BFD4AB2CC8D}"/>
+                <a16:creationId xmlns:a16="http://schemas.microsoft.com/office/drawing/2014/main" id="{67539971-5BF2-452F-8431-4BFD4AB2CC8D}"/>
               </a:ext>
             </a:extLst>
           </p:cNvPr>
@@ -7599,7 +7566,7 @@
           <p:cNvPr id="5" name="Footer Placeholder 4">
             <a:extLst>
               <a:ext uri="{FF2B5EF4-FFF2-40B4-BE49-F238E27FC236}">
-                <a16:creationId xmlns:a16="http://schemas.microsoft.com/office/drawing/2014/main" xmlns="" id="{CA463400-5CF3-45F4-AF5E-9AD56D7B48E5}"/>
+                <a16:creationId xmlns:a16="http://schemas.microsoft.com/office/drawing/2014/main" id="{CA463400-5CF3-45F4-AF5E-9AD56D7B48E5}"/>
               </a:ext>
             </a:extLst>
           </p:cNvPr>
@@ -7631,7 +7598,7 @@
           <p:cNvPr id="6" name="Slide Number Placeholder 5">
             <a:extLst>
               <a:ext uri="{FF2B5EF4-FFF2-40B4-BE49-F238E27FC236}">
-                <a16:creationId xmlns:a16="http://schemas.microsoft.com/office/drawing/2014/main" xmlns="" id="{18224507-A9BA-4BD7-AF28-76A2B4328E72}"/>
+                <a16:creationId xmlns:a16="http://schemas.microsoft.com/office/drawing/2014/main" id="{18224507-A9BA-4BD7-AF28-76A2B4328E72}"/>
               </a:ext>
             </a:extLst>
           </p:cNvPr>
@@ -7891,7 +7858,7 @@
           <p:cNvPr id="4" name="Footer Placeholder 3">
             <a:extLst>
               <a:ext uri="{FF2B5EF4-FFF2-40B4-BE49-F238E27FC236}">
-                <a16:creationId xmlns:a16="http://schemas.microsoft.com/office/drawing/2014/main" xmlns="" id="{89827CFC-076F-4F8E-BDF1-55804EFE6C22}"/>
+                <a16:creationId xmlns:a16="http://schemas.microsoft.com/office/drawing/2014/main" id="{89827CFC-076F-4F8E-BDF1-55804EFE6C22}"/>
               </a:ext>
             </a:extLst>
           </p:cNvPr>
@@ -8006,7 +7973,7 @@
           <p:cNvPr id="2" name="Title 1">
             <a:extLst>
               <a:ext uri="{FF2B5EF4-FFF2-40B4-BE49-F238E27FC236}">
-                <a16:creationId xmlns:a16="http://schemas.microsoft.com/office/drawing/2014/main" xmlns="" id="{1A177822-72B7-49EB-9AE6-36DCE924972B}"/>
+                <a16:creationId xmlns:a16="http://schemas.microsoft.com/office/drawing/2014/main" id="{1A177822-72B7-49EB-9AE6-36DCE924972B}"/>
               </a:ext>
             </a:extLst>
           </p:cNvPr>
@@ -8066,7 +8033,7 @@
           <p:cNvPr id="3" name="Text Placeholder 2">
             <a:extLst>
               <a:ext uri="{FF2B5EF4-FFF2-40B4-BE49-F238E27FC236}">
-                <a16:creationId xmlns:a16="http://schemas.microsoft.com/office/drawing/2014/main" xmlns="" id="{ECF83744-069E-4849-BFE8-93D7558C5E6F}"/>
+                <a16:creationId xmlns:a16="http://schemas.microsoft.com/office/drawing/2014/main" id="{ECF83744-069E-4849-BFE8-93D7558C5E6F}"/>
               </a:ext>
             </a:extLst>
           </p:cNvPr>
@@ -8412,7 +8379,7 @@
           <p:cNvPr id="4" name="Date Placeholder 3">
             <a:extLst>
               <a:ext uri="{FF2B5EF4-FFF2-40B4-BE49-F238E27FC236}">
-                <a16:creationId xmlns:a16="http://schemas.microsoft.com/office/drawing/2014/main" xmlns="" id="{F4A92BDA-51F9-4870-8781-3641A546096F}"/>
+                <a16:creationId xmlns:a16="http://schemas.microsoft.com/office/drawing/2014/main" id="{F4A92BDA-51F9-4870-8781-3641A546096F}"/>
               </a:ext>
             </a:extLst>
           </p:cNvPr>
@@ -8444,7 +8411,7 @@
           <p:cNvPr id="5" name="Footer Placeholder 4">
             <a:extLst>
               <a:ext uri="{FF2B5EF4-FFF2-40B4-BE49-F238E27FC236}">
-                <a16:creationId xmlns:a16="http://schemas.microsoft.com/office/drawing/2014/main" xmlns="" id="{37E96742-CDB0-432A-8C52-B3F204181F72}"/>
+                <a16:creationId xmlns:a16="http://schemas.microsoft.com/office/drawing/2014/main" id="{37E96742-CDB0-432A-8C52-B3F204181F72}"/>
               </a:ext>
             </a:extLst>
           </p:cNvPr>
@@ -8476,7 +8443,7 @@
           <p:cNvPr id="6" name="Slide Number Placeholder 5">
             <a:extLst>
               <a:ext uri="{FF2B5EF4-FFF2-40B4-BE49-F238E27FC236}">
-                <a16:creationId xmlns:a16="http://schemas.microsoft.com/office/drawing/2014/main" xmlns="" id="{6514E519-7CF4-4F15-B411-66938D25A078}"/>
+                <a16:creationId xmlns:a16="http://schemas.microsoft.com/office/drawing/2014/main" id="{6514E519-7CF4-4F15-B411-66938D25A078}"/>
               </a:ext>
             </a:extLst>
           </p:cNvPr>
@@ -8565,7 +8532,7 @@
           <p:cNvPr id="2" name="Title 1">
             <a:extLst>
               <a:ext uri="{FF2B5EF4-FFF2-40B4-BE49-F238E27FC236}">
-                <a16:creationId xmlns:a16="http://schemas.microsoft.com/office/drawing/2014/main" xmlns="" id="{06AC2FD5-2AC3-4C4B-93DB-9FE8A8C2CFE3}"/>
+                <a16:creationId xmlns:a16="http://schemas.microsoft.com/office/drawing/2014/main" id="{06AC2FD5-2AC3-4C4B-93DB-9FE8A8C2CFE3}"/>
               </a:ext>
             </a:extLst>
           </p:cNvPr>
@@ -8609,7 +8576,7 @@
           <p:cNvPr id="3" name="Text Placeholder 2">
             <a:extLst>
               <a:ext uri="{FF2B5EF4-FFF2-40B4-BE49-F238E27FC236}">
-                <a16:creationId xmlns:a16="http://schemas.microsoft.com/office/drawing/2014/main" xmlns="" id="{6CD144E9-35C4-4F02-98D3-5EF041B72E40}"/>
+                <a16:creationId xmlns:a16="http://schemas.microsoft.com/office/drawing/2014/main" id="{6CD144E9-35C4-4F02-98D3-5EF041B72E40}"/>
               </a:ext>
             </a:extLst>
           </p:cNvPr>
@@ -8794,7 +8761,7 @@
           <p:cNvPr id="4" name="Date Placeholder 3">
             <a:extLst>
               <a:ext uri="{FF2B5EF4-FFF2-40B4-BE49-F238E27FC236}">
-                <a16:creationId xmlns:a16="http://schemas.microsoft.com/office/drawing/2014/main" xmlns="" id="{9B9294FF-819A-46A9-A97F-8F11DFE133B3}"/>
+                <a16:creationId xmlns:a16="http://schemas.microsoft.com/office/drawing/2014/main" id="{9B9294FF-819A-46A9-A97F-8F11DFE133B3}"/>
               </a:ext>
             </a:extLst>
           </p:cNvPr>
@@ -8826,7 +8793,7 @@
           <p:cNvPr id="5" name="Footer Placeholder 4">
             <a:extLst>
               <a:ext uri="{FF2B5EF4-FFF2-40B4-BE49-F238E27FC236}">
-                <a16:creationId xmlns:a16="http://schemas.microsoft.com/office/drawing/2014/main" xmlns="" id="{A11A0D99-13F7-4F72-B30E-40BB7B50F895}"/>
+                <a16:creationId xmlns:a16="http://schemas.microsoft.com/office/drawing/2014/main" id="{A11A0D99-13F7-4F72-B30E-40BB7B50F895}"/>
               </a:ext>
             </a:extLst>
           </p:cNvPr>
@@ -8858,7 +8825,7 @@
           <p:cNvPr id="6" name="Slide Number Placeholder 5">
             <a:extLst>
               <a:ext uri="{FF2B5EF4-FFF2-40B4-BE49-F238E27FC236}">
-                <a16:creationId xmlns:a16="http://schemas.microsoft.com/office/drawing/2014/main" xmlns="" id="{2C7EA717-E496-4C7E-A453-5B2119FA0E59}"/>
+                <a16:creationId xmlns:a16="http://schemas.microsoft.com/office/drawing/2014/main" id="{2C7EA717-E496-4C7E-A453-5B2119FA0E59}"/>
               </a:ext>
             </a:extLst>
           </p:cNvPr>
@@ -8947,7 +8914,7 @@
           <p:cNvPr id="2" name="Title 1">
             <a:extLst>
               <a:ext uri="{FF2B5EF4-FFF2-40B4-BE49-F238E27FC236}">
-                <a16:creationId xmlns:a16="http://schemas.microsoft.com/office/drawing/2014/main" xmlns="" id="{610ED1A6-12CC-4A2F-8754-E2FDC14A568F}"/>
+                <a16:creationId xmlns:a16="http://schemas.microsoft.com/office/drawing/2014/main" id="{610ED1A6-12CC-4A2F-8754-E2FDC14A568F}"/>
               </a:ext>
             </a:extLst>
           </p:cNvPr>
@@ -8991,7 +8958,7 @@
           <p:cNvPr id="3" name="Text Placeholder 2">
             <a:extLst>
               <a:ext uri="{FF2B5EF4-FFF2-40B4-BE49-F238E27FC236}">
-                <a16:creationId xmlns:a16="http://schemas.microsoft.com/office/drawing/2014/main" xmlns="" id="{86AC97CC-9AA5-4026-94C7-19D5614DC05E}"/>
+                <a16:creationId xmlns:a16="http://schemas.microsoft.com/office/drawing/2014/main" id="{86AC97CC-9AA5-4026-94C7-19D5614DC05E}"/>
               </a:ext>
             </a:extLst>
           </p:cNvPr>
@@ -9285,7 +9252,7 @@
           <p:cNvPr id="4" name="Date Placeholder 3">
             <a:extLst>
               <a:ext uri="{FF2B5EF4-FFF2-40B4-BE49-F238E27FC236}">
-                <a16:creationId xmlns:a16="http://schemas.microsoft.com/office/drawing/2014/main" xmlns="" id="{C7404879-0EBB-4445-A1FF-AB139769968D}"/>
+                <a16:creationId xmlns:a16="http://schemas.microsoft.com/office/drawing/2014/main" id="{C7404879-0EBB-4445-A1FF-AB139769968D}"/>
               </a:ext>
             </a:extLst>
           </p:cNvPr>
@@ -9317,7 +9284,7 @@
           <p:cNvPr id="5" name="Footer Placeholder 4">
             <a:extLst>
               <a:ext uri="{FF2B5EF4-FFF2-40B4-BE49-F238E27FC236}">
-                <a16:creationId xmlns:a16="http://schemas.microsoft.com/office/drawing/2014/main" xmlns="" id="{1847CB2D-8400-4FB6-B21F-11461DFF622D}"/>
+                <a16:creationId xmlns:a16="http://schemas.microsoft.com/office/drawing/2014/main" id="{1847CB2D-8400-4FB6-B21F-11461DFF622D}"/>
               </a:ext>
             </a:extLst>
           </p:cNvPr>
@@ -9349,7 +9316,7 @@
           <p:cNvPr id="6" name="Slide Number Placeholder 5">
             <a:extLst>
               <a:ext uri="{FF2B5EF4-FFF2-40B4-BE49-F238E27FC236}">
-                <a16:creationId xmlns:a16="http://schemas.microsoft.com/office/drawing/2014/main" xmlns="" id="{0A33251D-A834-439B-9F38-7B4856D2CB33}"/>
+                <a16:creationId xmlns:a16="http://schemas.microsoft.com/office/drawing/2014/main" id="{0A33251D-A834-439B-9F38-7B4856D2CB33}"/>
               </a:ext>
             </a:extLst>
           </p:cNvPr>
@@ -9438,7 +9405,7 @@
           <p:cNvPr id="2" name="Title 1">
             <a:extLst>
               <a:ext uri="{FF2B5EF4-FFF2-40B4-BE49-F238E27FC236}">
-                <a16:creationId xmlns:a16="http://schemas.microsoft.com/office/drawing/2014/main" xmlns="" id="{B2886A0A-B51A-472B-BBDB-56588EE2DDC6}"/>
+                <a16:creationId xmlns:a16="http://schemas.microsoft.com/office/drawing/2014/main" id="{B2886A0A-B51A-472B-BBDB-56588EE2DDC6}"/>
               </a:ext>
             </a:extLst>
           </p:cNvPr>
@@ -9482,7 +9449,7 @@
           <p:cNvPr id="3" name="Text Placeholder 2">
             <a:extLst>
               <a:ext uri="{FF2B5EF4-FFF2-40B4-BE49-F238E27FC236}">
-                <a16:creationId xmlns:a16="http://schemas.microsoft.com/office/drawing/2014/main" xmlns="" id="{1EFBEFBA-DEFC-4BB4-9AF5-BAE10297F8B0}"/>
+                <a16:creationId xmlns:a16="http://schemas.microsoft.com/office/drawing/2014/main" id="{1EFBEFBA-DEFC-4BB4-9AF5-BAE10297F8B0}"/>
               </a:ext>
             </a:extLst>
           </p:cNvPr>
@@ -9692,7 +9659,7 @@
           <p:cNvPr id="4" name="Date Placeholder 3">
             <a:extLst>
               <a:ext uri="{FF2B5EF4-FFF2-40B4-BE49-F238E27FC236}">
-                <a16:creationId xmlns:a16="http://schemas.microsoft.com/office/drawing/2014/main" xmlns="" id="{132D8CC4-C8AA-4A8F-9E6C-1DC2EE9C1656}"/>
+                <a16:creationId xmlns:a16="http://schemas.microsoft.com/office/drawing/2014/main" id="{132D8CC4-C8AA-4A8F-9E6C-1DC2EE9C1656}"/>
               </a:ext>
             </a:extLst>
           </p:cNvPr>
@@ -9724,7 +9691,7 @@
           <p:cNvPr id="5" name="Footer Placeholder 4">
             <a:extLst>
               <a:ext uri="{FF2B5EF4-FFF2-40B4-BE49-F238E27FC236}">
-                <a16:creationId xmlns:a16="http://schemas.microsoft.com/office/drawing/2014/main" xmlns="" id="{F1959DA6-10C5-4A11-A38D-FEC9747549BA}"/>
+                <a16:creationId xmlns:a16="http://schemas.microsoft.com/office/drawing/2014/main" id="{F1959DA6-10C5-4A11-A38D-FEC9747549BA}"/>
               </a:ext>
             </a:extLst>
           </p:cNvPr>
@@ -9756,7 +9723,7 @@
           <p:cNvPr id="6" name="Slide Number Placeholder 5">
             <a:extLst>
               <a:ext uri="{FF2B5EF4-FFF2-40B4-BE49-F238E27FC236}">
-                <a16:creationId xmlns:a16="http://schemas.microsoft.com/office/drawing/2014/main" xmlns="" id="{A160EC69-B19A-4072-B66F-C17D3EDBEDAC}"/>
+                <a16:creationId xmlns:a16="http://schemas.microsoft.com/office/drawing/2014/main" id="{A160EC69-B19A-4072-B66F-C17D3EDBEDAC}"/>
               </a:ext>
             </a:extLst>
           </p:cNvPr>
@@ -9845,7 +9812,7 @@
           <p:cNvPr id="2" name="Title 1">
             <a:extLst>
               <a:ext uri="{FF2B5EF4-FFF2-40B4-BE49-F238E27FC236}">
-                <a16:creationId xmlns:a16="http://schemas.microsoft.com/office/drawing/2014/main" xmlns="" id="{7C69F599-336D-4F5A-99D7-CB35B0BF1B2D}"/>
+                <a16:creationId xmlns:a16="http://schemas.microsoft.com/office/drawing/2014/main" id="{7C69F599-336D-4F5A-99D7-CB35B0BF1B2D}"/>
               </a:ext>
             </a:extLst>
           </p:cNvPr>
@@ -9909,7 +9876,7 @@
           <p:cNvPr id="9" name="Content Placeholder 8" descr="See page 404 in book" title="See slide title">
             <a:extLst>
               <a:ext uri="{FF2B5EF4-FFF2-40B4-BE49-F238E27FC236}">
-                <a16:creationId xmlns:a16="http://schemas.microsoft.com/office/drawing/2014/main" xmlns="" id="{702A99E8-4B65-4960-B75F-1773D92F3530}"/>
+                <a16:creationId xmlns:a16="http://schemas.microsoft.com/office/drawing/2014/main" id="{702A99E8-4B65-4960-B75F-1773D92F3530}"/>
               </a:ext>
             </a:extLst>
           </p:cNvPr>
@@ -9952,7 +9919,7 @@
           <p:cNvPr id="4" name="Date Placeholder 3">
             <a:extLst>
               <a:ext uri="{FF2B5EF4-FFF2-40B4-BE49-F238E27FC236}">
-                <a16:creationId xmlns:a16="http://schemas.microsoft.com/office/drawing/2014/main" xmlns="" id="{60E1BDA8-60FD-48B1-9464-F4CFD92B5D05}"/>
+                <a16:creationId xmlns:a16="http://schemas.microsoft.com/office/drawing/2014/main" id="{60E1BDA8-60FD-48B1-9464-F4CFD92B5D05}"/>
               </a:ext>
             </a:extLst>
           </p:cNvPr>
@@ -9984,7 +9951,7 @@
           <p:cNvPr id="5" name="Footer Placeholder 4">
             <a:extLst>
               <a:ext uri="{FF2B5EF4-FFF2-40B4-BE49-F238E27FC236}">
-                <a16:creationId xmlns:a16="http://schemas.microsoft.com/office/drawing/2014/main" xmlns="" id="{D355A216-1C74-4205-8DC2-5F673A237B57}"/>
+                <a16:creationId xmlns:a16="http://schemas.microsoft.com/office/drawing/2014/main" id="{D355A216-1C74-4205-8DC2-5F673A237B57}"/>
               </a:ext>
             </a:extLst>
           </p:cNvPr>
@@ -10016,7 +9983,7 @@
           <p:cNvPr id="6" name="Slide Number Placeholder 5">
             <a:extLst>
               <a:ext uri="{FF2B5EF4-FFF2-40B4-BE49-F238E27FC236}">
-                <a16:creationId xmlns:a16="http://schemas.microsoft.com/office/drawing/2014/main" xmlns="" id="{838B288B-E93E-4D5A-8D30-80715A623B94}"/>
+                <a16:creationId xmlns:a16="http://schemas.microsoft.com/office/drawing/2014/main" id="{838B288B-E93E-4D5A-8D30-80715A623B94}"/>
               </a:ext>
             </a:extLst>
           </p:cNvPr>
@@ -10105,7 +10072,7 @@
           <p:cNvPr id="2" name="Title 1">
             <a:extLst>
               <a:ext uri="{FF2B5EF4-FFF2-40B4-BE49-F238E27FC236}">
-                <a16:creationId xmlns:a16="http://schemas.microsoft.com/office/drawing/2014/main" xmlns="" id="{74D2D9C4-1076-472E-BDC8-09BDDF6BB545}"/>
+                <a16:creationId xmlns:a16="http://schemas.microsoft.com/office/drawing/2014/main" id="{74D2D9C4-1076-472E-BDC8-09BDDF6BB545}"/>
               </a:ext>
             </a:extLst>
           </p:cNvPr>
@@ -10149,7 +10116,7 @@
           <p:cNvPr id="3" name="Text Placeholder 2">
             <a:extLst>
               <a:ext uri="{FF2B5EF4-FFF2-40B4-BE49-F238E27FC236}">
-                <a16:creationId xmlns:a16="http://schemas.microsoft.com/office/drawing/2014/main" xmlns="" id="{03FD6CDB-6960-4B04-9E8E-BE9A5AA23941}"/>
+                <a16:creationId xmlns:a16="http://schemas.microsoft.com/office/drawing/2014/main" id="{03FD6CDB-6960-4B04-9E8E-BE9A5AA23941}"/>
               </a:ext>
             </a:extLst>
           </p:cNvPr>
@@ -10616,7 +10583,7 @@
           <p:cNvPr id="4" name="Date Placeholder 3">
             <a:extLst>
               <a:ext uri="{FF2B5EF4-FFF2-40B4-BE49-F238E27FC236}">
-                <a16:creationId xmlns:a16="http://schemas.microsoft.com/office/drawing/2014/main" xmlns="" id="{D100506B-3C6D-47DD-9E4B-B579E84C3577}"/>
+                <a16:creationId xmlns:a16="http://schemas.microsoft.com/office/drawing/2014/main" id="{D100506B-3C6D-47DD-9E4B-B579E84C3577}"/>
               </a:ext>
             </a:extLst>
           </p:cNvPr>
@@ -10648,7 +10615,7 @@
           <p:cNvPr id="5" name="Footer Placeholder 4">
             <a:extLst>
               <a:ext uri="{FF2B5EF4-FFF2-40B4-BE49-F238E27FC236}">
-                <a16:creationId xmlns:a16="http://schemas.microsoft.com/office/drawing/2014/main" xmlns="" id="{81581B7D-773A-4E14-8ACD-928F8E3D4BFE}"/>
+                <a16:creationId xmlns:a16="http://schemas.microsoft.com/office/drawing/2014/main" id="{81581B7D-773A-4E14-8ACD-928F8E3D4BFE}"/>
               </a:ext>
             </a:extLst>
           </p:cNvPr>
@@ -10680,7 +10647,7 @@
           <p:cNvPr id="6" name="Slide Number Placeholder 5">
             <a:extLst>
               <a:ext uri="{FF2B5EF4-FFF2-40B4-BE49-F238E27FC236}">
-                <a16:creationId xmlns:a16="http://schemas.microsoft.com/office/drawing/2014/main" xmlns="" id="{51E1BEDF-DDB2-4D42-95CE-8A97F3E6819C}"/>
+                <a16:creationId xmlns:a16="http://schemas.microsoft.com/office/drawing/2014/main" id="{51E1BEDF-DDB2-4D42-95CE-8A97F3E6819C}"/>
               </a:ext>
             </a:extLst>
           </p:cNvPr>
@@ -10769,7 +10736,7 @@
           <p:cNvPr id="2" name="Title 1">
             <a:extLst>
               <a:ext uri="{FF2B5EF4-FFF2-40B4-BE49-F238E27FC236}">
-                <a16:creationId xmlns:a16="http://schemas.microsoft.com/office/drawing/2014/main" xmlns="" id="{9182A5A7-9DC9-4BE9-8CA9-C95E5A6DC7B8}"/>
+                <a16:creationId xmlns:a16="http://schemas.microsoft.com/office/drawing/2014/main" id="{9182A5A7-9DC9-4BE9-8CA9-C95E5A6DC7B8}"/>
               </a:ext>
             </a:extLst>
           </p:cNvPr>
@@ -10818,7 +10785,7 @@
           <p:cNvPr id="7" name="Content Placeholder 6" descr="See page 406 in book" title="See slide title">
             <a:extLst>
               <a:ext uri="{FF2B5EF4-FFF2-40B4-BE49-F238E27FC236}">
-                <a16:creationId xmlns:a16="http://schemas.microsoft.com/office/drawing/2014/main" xmlns="" id="{407C8C84-4497-4BAA-BE5F-BE26164D91F8}"/>
+                <a16:creationId xmlns:a16="http://schemas.microsoft.com/office/drawing/2014/main" id="{407C8C84-4497-4BAA-BE5F-BE26164D91F8}"/>
               </a:ext>
             </a:extLst>
           </p:cNvPr>
@@ -10856,7 +10823,7 @@
           <p:cNvPr id="4" name="Date Placeholder 3">
             <a:extLst>
               <a:ext uri="{FF2B5EF4-FFF2-40B4-BE49-F238E27FC236}">
-                <a16:creationId xmlns:a16="http://schemas.microsoft.com/office/drawing/2014/main" xmlns="" id="{D7B370A4-6678-4C10-A012-3B64C7D06970}"/>
+                <a16:creationId xmlns:a16="http://schemas.microsoft.com/office/drawing/2014/main" id="{D7B370A4-6678-4C10-A012-3B64C7D06970}"/>
               </a:ext>
             </a:extLst>
           </p:cNvPr>
@@ -10888,7 +10855,7 @@
           <p:cNvPr id="5" name="Footer Placeholder 4">
             <a:extLst>
               <a:ext uri="{FF2B5EF4-FFF2-40B4-BE49-F238E27FC236}">
-                <a16:creationId xmlns:a16="http://schemas.microsoft.com/office/drawing/2014/main" xmlns="" id="{45A150B5-E39B-46A0-A281-6FAD4507C561}"/>
+                <a16:creationId xmlns:a16="http://schemas.microsoft.com/office/drawing/2014/main" id="{45A150B5-E39B-46A0-A281-6FAD4507C561}"/>
               </a:ext>
             </a:extLst>
           </p:cNvPr>
@@ -10920,7 +10887,7 @@
           <p:cNvPr id="6" name="Slide Number Placeholder 5">
             <a:extLst>
               <a:ext uri="{FF2B5EF4-FFF2-40B4-BE49-F238E27FC236}">
-                <a16:creationId xmlns:a16="http://schemas.microsoft.com/office/drawing/2014/main" xmlns="" id="{29366575-4077-4658-8D97-C390F1F8DABE}"/>
+                <a16:creationId xmlns:a16="http://schemas.microsoft.com/office/drawing/2014/main" id="{29366575-4077-4658-8D97-C390F1F8DABE}"/>
               </a:ext>
             </a:extLst>
           </p:cNvPr>
@@ -11009,7 +10976,7 @@
           <p:cNvPr id="2" name="Title 1">
             <a:extLst>
               <a:ext uri="{FF2B5EF4-FFF2-40B4-BE49-F238E27FC236}">
-                <a16:creationId xmlns:a16="http://schemas.microsoft.com/office/drawing/2014/main" xmlns="" id="{15233EAB-EA26-4970-A697-0E4C74DC3F0B}"/>
+                <a16:creationId xmlns:a16="http://schemas.microsoft.com/office/drawing/2014/main" id="{15233EAB-EA26-4970-A697-0E4C74DC3F0B}"/>
               </a:ext>
             </a:extLst>
           </p:cNvPr>
@@ -11053,7 +11020,7 @@
           <p:cNvPr id="3" name="Text Placeholder 2">
             <a:extLst>
               <a:ext uri="{FF2B5EF4-FFF2-40B4-BE49-F238E27FC236}">
-                <a16:creationId xmlns:a16="http://schemas.microsoft.com/office/drawing/2014/main" xmlns="" id="{F780EF01-D26C-4A58-A259-B9E48BB56386}"/>
+                <a16:creationId xmlns:a16="http://schemas.microsoft.com/office/drawing/2014/main" id="{F780EF01-D26C-4A58-A259-B9E48BB56386}"/>
               </a:ext>
             </a:extLst>
           </p:cNvPr>
@@ -11505,7 +11472,7 @@
           <p:cNvPr id="4" name="Date Placeholder 3">
             <a:extLst>
               <a:ext uri="{FF2B5EF4-FFF2-40B4-BE49-F238E27FC236}">
-                <a16:creationId xmlns:a16="http://schemas.microsoft.com/office/drawing/2014/main" xmlns="" id="{5783D355-B22E-4532-99E1-4340AA95EB73}"/>
+                <a16:creationId xmlns:a16="http://schemas.microsoft.com/office/drawing/2014/main" id="{5783D355-B22E-4532-99E1-4340AA95EB73}"/>
               </a:ext>
             </a:extLst>
           </p:cNvPr>
@@ -11537,7 +11504,7 @@
           <p:cNvPr id="5" name="Footer Placeholder 4">
             <a:extLst>
               <a:ext uri="{FF2B5EF4-FFF2-40B4-BE49-F238E27FC236}">
-                <a16:creationId xmlns:a16="http://schemas.microsoft.com/office/drawing/2014/main" xmlns="" id="{9449B77C-B5CA-47FE-97EE-13ECF28C1FE6}"/>
+                <a16:creationId xmlns:a16="http://schemas.microsoft.com/office/drawing/2014/main" id="{9449B77C-B5CA-47FE-97EE-13ECF28C1FE6}"/>
               </a:ext>
             </a:extLst>
           </p:cNvPr>
@@ -11569,7 +11536,7 @@
           <p:cNvPr id="6" name="Slide Number Placeholder 5">
             <a:extLst>
               <a:ext uri="{FF2B5EF4-FFF2-40B4-BE49-F238E27FC236}">
-                <a16:creationId xmlns:a16="http://schemas.microsoft.com/office/drawing/2014/main" xmlns="" id="{FDA7F3B6-4A41-4ED0-B813-42FC16F74E54}"/>
+                <a16:creationId xmlns:a16="http://schemas.microsoft.com/office/drawing/2014/main" id="{FDA7F3B6-4A41-4ED0-B813-42FC16F74E54}"/>
               </a:ext>
             </a:extLst>
           </p:cNvPr>
@@ -11658,7 +11625,7 @@
           <p:cNvPr id="2" name="Title 1">
             <a:extLst>
               <a:ext uri="{FF2B5EF4-FFF2-40B4-BE49-F238E27FC236}">
-                <a16:creationId xmlns:a16="http://schemas.microsoft.com/office/drawing/2014/main" xmlns="" id="{376FA24E-D3F3-4CE2-8653-386FA9232C25}"/>
+                <a16:creationId xmlns:a16="http://schemas.microsoft.com/office/drawing/2014/main" id="{376FA24E-D3F3-4CE2-8653-386FA9232C25}"/>
               </a:ext>
             </a:extLst>
           </p:cNvPr>
@@ -11702,7 +11669,7 @@
           <p:cNvPr id="7" name="Content Placeholder 6" descr="See page 408 in book" title="See slide title">
             <a:extLst>
               <a:ext uri="{FF2B5EF4-FFF2-40B4-BE49-F238E27FC236}">
-                <a16:creationId xmlns:a16="http://schemas.microsoft.com/office/drawing/2014/main" xmlns="" id="{FF915E32-27E8-4C36-8102-76893FACCAC1}"/>
+                <a16:creationId xmlns:a16="http://schemas.microsoft.com/office/drawing/2014/main" id="{FF915E32-27E8-4C36-8102-76893FACCAC1}"/>
               </a:ext>
             </a:extLst>
           </p:cNvPr>
@@ -11745,7 +11712,7 @@
           <p:cNvPr id="4" name="Date Placeholder 3">
             <a:extLst>
               <a:ext uri="{FF2B5EF4-FFF2-40B4-BE49-F238E27FC236}">
-                <a16:creationId xmlns:a16="http://schemas.microsoft.com/office/drawing/2014/main" xmlns="" id="{D394D877-4F6C-47D9-8723-2010D04D2301}"/>
+                <a16:creationId xmlns:a16="http://schemas.microsoft.com/office/drawing/2014/main" id="{D394D877-4F6C-47D9-8723-2010D04D2301}"/>
               </a:ext>
             </a:extLst>
           </p:cNvPr>
@@ -11777,7 +11744,7 @@
           <p:cNvPr id="5" name="Footer Placeholder 4">
             <a:extLst>
               <a:ext uri="{FF2B5EF4-FFF2-40B4-BE49-F238E27FC236}">
-                <a16:creationId xmlns:a16="http://schemas.microsoft.com/office/drawing/2014/main" xmlns="" id="{B5A06E48-AB52-4210-BB5B-CD731DA5FFCD}"/>
+                <a16:creationId xmlns:a16="http://schemas.microsoft.com/office/drawing/2014/main" id="{B5A06E48-AB52-4210-BB5B-CD731DA5FFCD}"/>
               </a:ext>
             </a:extLst>
           </p:cNvPr>
@@ -11809,7 +11776,7 @@
           <p:cNvPr id="6" name="Slide Number Placeholder 5">
             <a:extLst>
               <a:ext uri="{FF2B5EF4-FFF2-40B4-BE49-F238E27FC236}">
-                <a16:creationId xmlns:a16="http://schemas.microsoft.com/office/drawing/2014/main" xmlns="" id="{E7F1977A-EB2B-4639-BD3E-A6F86B4AFA0F}"/>
+                <a16:creationId xmlns:a16="http://schemas.microsoft.com/office/drawing/2014/main" id="{E7F1977A-EB2B-4639-BD3E-A6F86B4AFA0F}"/>
               </a:ext>
             </a:extLst>
           </p:cNvPr>
@@ -11898,7 +11865,7 @@
           <p:cNvPr id="2" name="Title 1">
             <a:extLst>
               <a:ext uri="{FF2B5EF4-FFF2-40B4-BE49-F238E27FC236}">
-                <a16:creationId xmlns:a16="http://schemas.microsoft.com/office/drawing/2014/main" xmlns="" id="{1F0C520E-4E4F-406D-A99D-019B85C2AFF6}"/>
+                <a16:creationId xmlns:a16="http://schemas.microsoft.com/office/drawing/2014/main" id="{1F0C520E-4E4F-406D-A99D-019B85C2AFF6}"/>
               </a:ext>
             </a:extLst>
           </p:cNvPr>
@@ -11942,7 +11909,7 @@
           <p:cNvPr id="3" name="Text Placeholder 2">
             <a:extLst>
               <a:ext uri="{FF2B5EF4-FFF2-40B4-BE49-F238E27FC236}">
-                <a16:creationId xmlns:a16="http://schemas.microsoft.com/office/drawing/2014/main" xmlns="" id="{34F6E40D-0B50-4F14-9476-C88C2F892558}"/>
+                <a16:creationId xmlns:a16="http://schemas.microsoft.com/office/drawing/2014/main" id="{34F6E40D-0B50-4F14-9476-C88C2F892558}"/>
               </a:ext>
             </a:extLst>
           </p:cNvPr>
@@ -12043,7 +12010,7 @@
           <p:cNvPr id="4" name="Date Placeholder 3">
             <a:extLst>
               <a:ext uri="{FF2B5EF4-FFF2-40B4-BE49-F238E27FC236}">
-                <a16:creationId xmlns:a16="http://schemas.microsoft.com/office/drawing/2014/main" xmlns="" id="{D7485C1D-3757-4B6F-823D-7FEC31556537}"/>
+                <a16:creationId xmlns:a16="http://schemas.microsoft.com/office/drawing/2014/main" id="{D7485C1D-3757-4B6F-823D-7FEC31556537}"/>
               </a:ext>
             </a:extLst>
           </p:cNvPr>
@@ -12075,7 +12042,7 @@
           <p:cNvPr id="5" name="Footer Placeholder 4">
             <a:extLst>
               <a:ext uri="{FF2B5EF4-FFF2-40B4-BE49-F238E27FC236}">
-                <a16:creationId xmlns:a16="http://schemas.microsoft.com/office/drawing/2014/main" xmlns="" id="{9C4D355A-5FAD-42DB-B227-1413C245644B}"/>
+                <a16:creationId xmlns:a16="http://schemas.microsoft.com/office/drawing/2014/main" id="{9C4D355A-5FAD-42DB-B227-1413C245644B}"/>
               </a:ext>
             </a:extLst>
           </p:cNvPr>
@@ -12107,7 +12074,7 @@
           <p:cNvPr id="6" name="Slide Number Placeholder 5">
             <a:extLst>
               <a:ext uri="{FF2B5EF4-FFF2-40B4-BE49-F238E27FC236}">
-                <a16:creationId xmlns:a16="http://schemas.microsoft.com/office/drawing/2014/main" xmlns="" id="{42B6C57A-67F4-4D2B-B817-239C7F071061}"/>
+                <a16:creationId xmlns:a16="http://schemas.microsoft.com/office/drawing/2014/main" id="{42B6C57A-67F4-4D2B-B817-239C7F071061}"/>
               </a:ext>
             </a:extLst>
           </p:cNvPr>
@@ -12483,7 +12450,7 @@
           <p:cNvPr id="4" name="Footer Placeholder 3">
             <a:extLst>
               <a:ext uri="{FF2B5EF4-FFF2-40B4-BE49-F238E27FC236}">
-                <a16:creationId xmlns:a16="http://schemas.microsoft.com/office/drawing/2014/main" xmlns="" id="{89827CFC-076F-4F8E-BDF1-55804EFE6C22}"/>
+                <a16:creationId xmlns:a16="http://schemas.microsoft.com/office/drawing/2014/main" id="{89827CFC-076F-4F8E-BDF1-55804EFE6C22}"/>
               </a:ext>
             </a:extLst>
           </p:cNvPr>
@@ -12598,7 +12565,7 @@
           <p:cNvPr id="2" name="Title 1">
             <a:extLst>
               <a:ext uri="{FF2B5EF4-FFF2-40B4-BE49-F238E27FC236}">
-                <a16:creationId xmlns:a16="http://schemas.microsoft.com/office/drawing/2014/main" xmlns="" id="{BE537138-E247-4B74-BE4A-BEA2333E951E}"/>
+                <a16:creationId xmlns:a16="http://schemas.microsoft.com/office/drawing/2014/main" id="{BE537138-E247-4B74-BE4A-BEA2333E951E}"/>
               </a:ext>
             </a:extLst>
           </p:cNvPr>
@@ -12662,7 +12629,7 @@
           <p:cNvPr id="7" name="Content Placeholder 6" descr="See page 408 in book" title="See slide title">
             <a:extLst>
               <a:ext uri="{FF2B5EF4-FFF2-40B4-BE49-F238E27FC236}">
-                <a16:creationId xmlns:a16="http://schemas.microsoft.com/office/drawing/2014/main" xmlns="" id="{C6A4288B-C30D-4647-BB38-0956A35FD1EA}"/>
+                <a16:creationId xmlns:a16="http://schemas.microsoft.com/office/drawing/2014/main" id="{C6A4288B-C30D-4647-BB38-0956A35FD1EA}"/>
               </a:ext>
             </a:extLst>
           </p:cNvPr>
@@ -12705,7 +12672,7 @@
           <p:cNvPr id="4" name="Date Placeholder 3">
             <a:extLst>
               <a:ext uri="{FF2B5EF4-FFF2-40B4-BE49-F238E27FC236}">
-                <a16:creationId xmlns:a16="http://schemas.microsoft.com/office/drawing/2014/main" xmlns="" id="{FFEA17EC-6433-44A7-AE30-471331669C61}"/>
+                <a16:creationId xmlns:a16="http://schemas.microsoft.com/office/drawing/2014/main" id="{FFEA17EC-6433-44A7-AE30-471331669C61}"/>
               </a:ext>
             </a:extLst>
           </p:cNvPr>
@@ -12737,7 +12704,7 @@
           <p:cNvPr id="5" name="Footer Placeholder 4">
             <a:extLst>
               <a:ext uri="{FF2B5EF4-FFF2-40B4-BE49-F238E27FC236}">
-                <a16:creationId xmlns:a16="http://schemas.microsoft.com/office/drawing/2014/main" xmlns="" id="{1A7C047F-0449-44D3-A78E-FA8604710013}"/>
+                <a16:creationId xmlns:a16="http://schemas.microsoft.com/office/drawing/2014/main" id="{1A7C047F-0449-44D3-A78E-FA8604710013}"/>
               </a:ext>
             </a:extLst>
           </p:cNvPr>
@@ -12769,7 +12736,7 @@
           <p:cNvPr id="6" name="Slide Number Placeholder 5">
             <a:extLst>
               <a:ext uri="{FF2B5EF4-FFF2-40B4-BE49-F238E27FC236}">
-                <a16:creationId xmlns:a16="http://schemas.microsoft.com/office/drawing/2014/main" xmlns="" id="{1D3460D2-9BAF-4EB7-BD7E-6548BD6377FE}"/>
+                <a16:creationId xmlns:a16="http://schemas.microsoft.com/office/drawing/2014/main" id="{1D3460D2-9BAF-4EB7-BD7E-6548BD6377FE}"/>
               </a:ext>
             </a:extLst>
           </p:cNvPr>
@@ -12858,7 +12825,7 @@
           <p:cNvPr id="2" name="Title 1">
             <a:extLst>
               <a:ext uri="{FF2B5EF4-FFF2-40B4-BE49-F238E27FC236}">
-                <a16:creationId xmlns:a16="http://schemas.microsoft.com/office/drawing/2014/main" xmlns="" id="{42BDEE2E-980B-4355-BF50-F0393B5B3496}"/>
+                <a16:creationId xmlns:a16="http://schemas.microsoft.com/office/drawing/2014/main" id="{42BDEE2E-980B-4355-BF50-F0393B5B3496}"/>
               </a:ext>
             </a:extLst>
           </p:cNvPr>
@@ -12922,7 +12889,7 @@
           <p:cNvPr id="3" name="Text Placeholder 2">
             <a:extLst>
               <a:ext uri="{FF2B5EF4-FFF2-40B4-BE49-F238E27FC236}">
-                <a16:creationId xmlns:a16="http://schemas.microsoft.com/office/drawing/2014/main" xmlns="" id="{7E2B44B5-2F8B-46DC-A25A-5A69869E5629}"/>
+                <a16:creationId xmlns:a16="http://schemas.microsoft.com/office/drawing/2014/main" id="{7E2B44B5-2F8B-46DC-A25A-5A69869E5629}"/>
               </a:ext>
             </a:extLst>
           </p:cNvPr>
@@ -13028,7 +12995,7 @@
           <p:cNvPr id="4" name="Date Placeholder 3">
             <a:extLst>
               <a:ext uri="{FF2B5EF4-FFF2-40B4-BE49-F238E27FC236}">
-                <a16:creationId xmlns:a16="http://schemas.microsoft.com/office/drawing/2014/main" xmlns="" id="{DDF82060-1057-45F9-85CB-0B47B4E46E9B}"/>
+                <a16:creationId xmlns:a16="http://schemas.microsoft.com/office/drawing/2014/main" id="{DDF82060-1057-45F9-85CB-0B47B4E46E9B}"/>
               </a:ext>
             </a:extLst>
           </p:cNvPr>
@@ -13060,7 +13027,7 @@
           <p:cNvPr id="5" name="Footer Placeholder 4">
             <a:extLst>
               <a:ext uri="{FF2B5EF4-FFF2-40B4-BE49-F238E27FC236}">
-                <a16:creationId xmlns:a16="http://schemas.microsoft.com/office/drawing/2014/main" xmlns="" id="{028FC02E-9146-4A5B-922F-9167A39081E0}"/>
+                <a16:creationId xmlns:a16="http://schemas.microsoft.com/office/drawing/2014/main" id="{028FC02E-9146-4A5B-922F-9167A39081E0}"/>
               </a:ext>
             </a:extLst>
           </p:cNvPr>
@@ -13092,7 +13059,7 @@
           <p:cNvPr id="6" name="Slide Number Placeholder 5">
             <a:extLst>
               <a:ext uri="{FF2B5EF4-FFF2-40B4-BE49-F238E27FC236}">
-                <a16:creationId xmlns:a16="http://schemas.microsoft.com/office/drawing/2014/main" xmlns="" id="{E37C8531-045F-47EF-A89D-EE73B44835DD}"/>
+                <a16:creationId xmlns:a16="http://schemas.microsoft.com/office/drawing/2014/main" id="{E37C8531-045F-47EF-A89D-EE73B44835DD}"/>
               </a:ext>
             </a:extLst>
           </p:cNvPr>
@@ -13181,7 +13148,7 @@
           <p:cNvPr id="2" name="Title 1">
             <a:extLst>
               <a:ext uri="{FF2B5EF4-FFF2-40B4-BE49-F238E27FC236}">
-                <a16:creationId xmlns:a16="http://schemas.microsoft.com/office/drawing/2014/main" xmlns="" id="{D291C89A-B0BE-4FF5-8DC7-9002B0608B8C}"/>
+                <a16:creationId xmlns:a16="http://schemas.microsoft.com/office/drawing/2014/main" id="{D291C89A-B0BE-4FF5-8DC7-9002B0608B8C}"/>
               </a:ext>
             </a:extLst>
           </p:cNvPr>
@@ -13225,7 +13192,7 @@
           <p:cNvPr id="3" name="Text Placeholder 2">
             <a:extLst>
               <a:ext uri="{FF2B5EF4-FFF2-40B4-BE49-F238E27FC236}">
-                <a16:creationId xmlns:a16="http://schemas.microsoft.com/office/drawing/2014/main" xmlns="" id="{131C56D0-F6F8-4E61-AB21-D6D9B9C351DD}"/>
+                <a16:creationId xmlns:a16="http://schemas.microsoft.com/office/drawing/2014/main" id="{131C56D0-F6F8-4E61-AB21-D6D9B9C351DD}"/>
               </a:ext>
             </a:extLst>
           </p:cNvPr>
@@ -13252,7 +13219,7 @@
               <a:buChar char=""/>
             </a:pPr>
             <a:r>
-              <a:rPr lang="en-US" spc="-10" dirty="0">
+              <a:rPr lang="en-US" b="1" spc="-10" dirty="0">
                 <a:latin typeface="Times New Roman" panose="02020603050405020304" pitchFamily="18" charset="0"/>
                 <a:ea typeface="Times New Roman" panose="02020603050405020304" pitchFamily="18" charset="0"/>
               </a:rPr>
@@ -13360,7 +13327,7 @@
           <p:cNvPr id="4" name="Date Placeholder 3">
             <a:extLst>
               <a:ext uri="{FF2B5EF4-FFF2-40B4-BE49-F238E27FC236}">
-                <a16:creationId xmlns:a16="http://schemas.microsoft.com/office/drawing/2014/main" xmlns="" id="{2DE98970-FD63-4DBA-AC95-6E07203E759D}"/>
+                <a16:creationId xmlns:a16="http://schemas.microsoft.com/office/drawing/2014/main" id="{2DE98970-FD63-4DBA-AC95-6E07203E759D}"/>
               </a:ext>
             </a:extLst>
           </p:cNvPr>
@@ -13392,7 +13359,7 @@
           <p:cNvPr id="5" name="Footer Placeholder 4">
             <a:extLst>
               <a:ext uri="{FF2B5EF4-FFF2-40B4-BE49-F238E27FC236}">
-                <a16:creationId xmlns:a16="http://schemas.microsoft.com/office/drawing/2014/main" xmlns="" id="{3CBE721A-0764-4FE0-8A6A-41A32CC0AE74}"/>
+                <a16:creationId xmlns:a16="http://schemas.microsoft.com/office/drawing/2014/main" id="{3CBE721A-0764-4FE0-8A6A-41A32CC0AE74}"/>
               </a:ext>
             </a:extLst>
           </p:cNvPr>
@@ -13424,7 +13391,7 @@
           <p:cNvPr id="6" name="Slide Number Placeholder 5">
             <a:extLst>
               <a:ext uri="{FF2B5EF4-FFF2-40B4-BE49-F238E27FC236}">
-                <a16:creationId xmlns:a16="http://schemas.microsoft.com/office/drawing/2014/main" xmlns="" id="{6604A4E9-00AE-409E-B791-C3A8C3CE0E9D}"/>
+                <a16:creationId xmlns:a16="http://schemas.microsoft.com/office/drawing/2014/main" id="{6604A4E9-00AE-409E-B791-C3A8C3CE0E9D}"/>
               </a:ext>
             </a:extLst>
           </p:cNvPr>
@@ -13513,7 +13480,7 @@
           <p:cNvPr id="4" name="Title 3">
             <a:extLst>
               <a:ext uri="{FF2B5EF4-FFF2-40B4-BE49-F238E27FC236}">
-                <a16:creationId xmlns:a16="http://schemas.microsoft.com/office/drawing/2014/main" xmlns="" id="{B653BE56-D147-441E-8C19-B393F733015B}"/>
+                <a16:creationId xmlns:a16="http://schemas.microsoft.com/office/drawing/2014/main" id="{B653BE56-D147-441E-8C19-B393F733015B}"/>
               </a:ext>
             </a:extLst>
           </p:cNvPr>
@@ -13541,7 +13508,7 @@
           <p:cNvPr id="8" name="Text Placeholder 7">
             <a:extLst>
               <a:ext uri="{FF2B5EF4-FFF2-40B4-BE49-F238E27FC236}">
-                <a16:creationId xmlns:a16="http://schemas.microsoft.com/office/drawing/2014/main" xmlns="" id="{5213E222-5618-4277-BFC8-A259E86673B6}"/>
+                <a16:creationId xmlns:a16="http://schemas.microsoft.com/office/drawing/2014/main" id="{5213E222-5618-4277-BFC8-A259E86673B6}"/>
               </a:ext>
             </a:extLst>
           </p:cNvPr>
@@ -14090,7 +14057,7 @@
           <p:cNvPr id="7" name="Text Placeholder 6">
             <a:extLst>
               <a:ext uri="{FF2B5EF4-FFF2-40B4-BE49-F238E27FC236}">
-                <a16:creationId xmlns:a16="http://schemas.microsoft.com/office/drawing/2014/main" xmlns="" id="{304A0F1D-12F4-45D1-84DA-1ED94F50433C}"/>
+                <a16:creationId xmlns:a16="http://schemas.microsoft.com/office/drawing/2014/main" id="{304A0F1D-12F4-45D1-84DA-1ED94F50433C}"/>
               </a:ext>
             </a:extLst>
           </p:cNvPr>
@@ -14123,7 +14090,7 @@
           <p:cNvPr id="9" name="Content Placeholder 8" descr="See page 413 in book" title="See slide title">
             <a:extLst>
               <a:ext uri="{FF2B5EF4-FFF2-40B4-BE49-F238E27FC236}">
-                <a16:creationId xmlns:a16="http://schemas.microsoft.com/office/drawing/2014/main" xmlns="" id="{5D3374F4-B8DC-41D5-9C70-CCC5F51D40DC}"/>
+                <a16:creationId xmlns:a16="http://schemas.microsoft.com/office/drawing/2014/main" id="{5D3374F4-B8DC-41D5-9C70-CCC5F51D40DC}"/>
               </a:ext>
             </a:extLst>
           </p:cNvPr>
@@ -14161,7 +14128,7 @@
           <p:cNvPr id="6" name="Footer Placeholder 5">
             <a:extLst>
               <a:ext uri="{FF2B5EF4-FFF2-40B4-BE49-F238E27FC236}">
-                <a16:creationId xmlns:a16="http://schemas.microsoft.com/office/drawing/2014/main" xmlns="" id="{DC05FF39-344D-4292-B0A3-435151682090}"/>
+                <a16:creationId xmlns:a16="http://schemas.microsoft.com/office/drawing/2014/main" id="{DC05FF39-344D-4292-B0A3-435151682090}"/>
               </a:ext>
             </a:extLst>
           </p:cNvPr>
@@ -14193,7 +14160,7 @@
           <p:cNvPr id="2" name="Date Placeholder 1">
             <a:extLst>
               <a:ext uri="{FF2B5EF4-FFF2-40B4-BE49-F238E27FC236}">
-                <a16:creationId xmlns:a16="http://schemas.microsoft.com/office/drawing/2014/main" xmlns="" id="{C561C209-35A6-4EDE-9087-08CB452D6735}"/>
+                <a16:creationId xmlns:a16="http://schemas.microsoft.com/office/drawing/2014/main" id="{C561C209-35A6-4EDE-9087-08CB452D6735}"/>
               </a:ext>
             </a:extLst>
           </p:cNvPr>
@@ -14225,7 +14192,7 @@
           <p:cNvPr id="3" name="Slide Number Placeholder 2">
             <a:extLst>
               <a:ext uri="{FF2B5EF4-FFF2-40B4-BE49-F238E27FC236}">
-                <a16:creationId xmlns:a16="http://schemas.microsoft.com/office/drawing/2014/main" xmlns="" id="{840FC638-F36D-4724-89FF-EC3165813C85}"/>
+                <a16:creationId xmlns:a16="http://schemas.microsoft.com/office/drawing/2014/main" id="{840FC638-F36D-4724-89FF-EC3165813C85}"/>
               </a:ext>
             </a:extLst>
           </p:cNvPr>
@@ -14315,7 +14282,7 @@
           <p:cNvPr id="4" name="Title 3">
             <a:extLst>
               <a:ext uri="{FF2B5EF4-FFF2-40B4-BE49-F238E27FC236}">
-                <a16:creationId xmlns:a16="http://schemas.microsoft.com/office/drawing/2014/main" xmlns="" id="{DDC29D13-8A63-40FE-8960-95A60B2E5FC8}"/>
+                <a16:creationId xmlns:a16="http://schemas.microsoft.com/office/drawing/2014/main" id="{DDC29D13-8A63-40FE-8960-95A60B2E5FC8}"/>
               </a:ext>
             </a:extLst>
           </p:cNvPr>
@@ -14343,7 +14310,7 @@
           <p:cNvPr id="9" name="Content Placeholder 8" descr="See page 415 in book" title="See slide title">
             <a:extLst>
               <a:ext uri="{FF2B5EF4-FFF2-40B4-BE49-F238E27FC236}">
-                <a16:creationId xmlns:a16="http://schemas.microsoft.com/office/drawing/2014/main" xmlns="" id="{6398CBCD-921B-4034-9E3E-91CA0A556AA1}"/>
+                <a16:creationId xmlns:a16="http://schemas.microsoft.com/office/drawing/2014/main" id="{6398CBCD-921B-4034-9E3E-91CA0A556AA1}"/>
               </a:ext>
             </a:extLst>
           </p:cNvPr>
@@ -14381,7 +14348,7 @@
           <p:cNvPr id="7" name="Text Placeholder 6">
             <a:extLst>
               <a:ext uri="{FF2B5EF4-FFF2-40B4-BE49-F238E27FC236}">
-                <a16:creationId xmlns:a16="http://schemas.microsoft.com/office/drawing/2014/main" xmlns="" id="{FF352B4A-EBD0-446A-A3E5-413A25701609}"/>
+                <a16:creationId xmlns:a16="http://schemas.microsoft.com/office/drawing/2014/main" id="{FF352B4A-EBD0-446A-A3E5-413A25701609}"/>
               </a:ext>
             </a:extLst>
           </p:cNvPr>
@@ -14414,7 +14381,7 @@
           <p:cNvPr id="8" name="Text Placeholder 7">
             <a:extLst>
               <a:ext uri="{FF2B5EF4-FFF2-40B4-BE49-F238E27FC236}">
-                <a16:creationId xmlns:a16="http://schemas.microsoft.com/office/drawing/2014/main" xmlns="" id="{49936485-112C-48A0-AA88-9BB2913C4F4C}"/>
+                <a16:creationId xmlns:a16="http://schemas.microsoft.com/office/drawing/2014/main" id="{49936485-112C-48A0-AA88-9BB2913C4F4C}"/>
               </a:ext>
             </a:extLst>
           </p:cNvPr>
@@ -14517,7 +14484,7 @@
           <p:cNvPr id="6" name="Footer Placeholder 5">
             <a:extLst>
               <a:ext uri="{FF2B5EF4-FFF2-40B4-BE49-F238E27FC236}">
-                <a16:creationId xmlns:a16="http://schemas.microsoft.com/office/drawing/2014/main" xmlns="" id="{A33B27AF-37DB-45F0-A151-7579292F43DB}"/>
+                <a16:creationId xmlns:a16="http://schemas.microsoft.com/office/drawing/2014/main" id="{A33B27AF-37DB-45F0-A151-7579292F43DB}"/>
               </a:ext>
             </a:extLst>
           </p:cNvPr>
@@ -14549,7 +14516,7 @@
           <p:cNvPr id="2" name="Date Placeholder 1">
             <a:extLst>
               <a:ext uri="{FF2B5EF4-FFF2-40B4-BE49-F238E27FC236}">
-                <a16:creationId xmlns:a16="http://schemas.microsoft.com/office/drawing/2014/main" xmlns="" id="{23FF7EF8-EA3B-4598-B703-B18B74A11CA6}"/>
+                <a16:creationId xmlns:a16="http://schemas.microsoft.com/office/drawing/2014/main" id="{23FF7EF8-EA3B-4598-B703-B18B74A11CA6}"/>
               </a:ext>
             </a:extLst>
           </p:cNvPr>
@@ -14581,7 +14548,7 @@
           <p:cNvPr id="3" name="Slide Number Placeholder 2">
             <a:extLst>
               <a:ext uri="{FF2B5EF4-FFF2-40B4-BE49-F238E27FC236}">
-                <a16:creationId xmlns:a16="http://schemas.microsoft.com/office/drawing/2014/main" xmlns="" id="{D51A8123-425A-4A68-B79D-6AF054F0CA81}"/>
+                <a16:creationId xmlns:a16="http://schemas.microsoft.com/office/drawing/2014/main" id="{D51A8123-425A-4A68-B79D-6AF054F0CA81}"/>
               </a:ext>
             </a:extLst>
           </p:cNvPr>
@@ -14671,7 +14638,7 @@
           <p:cNvPr id="2" name="Title 1">
             <a:extLst>
               <a:ext uri="{FF2B5EF4-FFF2-40B4-BE49-F238E27FC236}">
-                <a16:creationId xmlns:a16="http://schemas.microsoft.com/office/drawing/2014/main" xmlns="" id="{0B900761-D01B-4035-9508-46A1ABE2090C}"/>
+                <a16:creationId xmlns:a16="http://schemas.microsoft.com/office/drawing/2014/main" id="{0B900761-D01B-4035-9508-46A1ABE2090C}"/>
               </a:ext>
             </a:extLst>
           </p:cNvPr>
@@ -14715,7 +14682,7 @@
           <p:cNvPr id="3" name="Text Placeholder 2">
             <a:extLst>
               <a:ext uri="{FF2B5EF4-FFF2-40B4-BE49-F238E27FC236}">
-                <a16:creationId xmlns:a16="http://schemas.microsoft.com/office/drawing/2014/main" xmlns="" id="{C6644C1C-37FF-48D7-9217-C08FA62641B1}"/>
+                <a16:creationId xmlns:a16="http://schemas.microsoft.com/office/drawing/2014/main" id="{C6644C1C-37FF-48D7-9217-C08FA62641B1}"/>
               </a:ext>
             </a:extLst>
           </p:cNvPr>
@@ -14856,7 +14823,7 @@
           <p:cNvPr id="4" name="Date Placeholder 3">
             <a:extLst>
               <a:ext uri="{FF2B5EF4-FFF2-40B4-BE49-F238E27FC236}">
-                <a16:creationId xmlns:a16="http://schemas.microsoft.com/office/drawing/2014/main" xmlns="" id="{E041AF1F-065D-4541-B262-CF0EE9DEBD56}"/>
+                <a16:creationId xmlns:a16="http://schemas.microsoft.com/office/drawing/2014/main" id="{E041AF1F-065D-4541-B262-CF0EE9DEBD56}"/>
               </a:ext>
             </a:extLst>
           </p:cNvPr>
@@ -14888,7 +14855,7 @@
           <p:cNvPr id="5" name="Footer Placeholder 4">
             <a:extLst>
               <a:ext uri="{FF2B5EF4-FFF2-40B4-BE49-F238E27FC236}">
-                <a16:creationId xmlns:a16="http://schemas.microsoft.com/office/drawing/2014/main" xmlns="" id="{5DC1274F-FE2D-44AA-A037-60021103CBDC}"/>
+                <a16:creationId xmlns:a16="http://schemas.microsoft.com/office/drawing/2014/main" id="{5DC1274F-FE2D-44AA-A037-60021103CBDC}"/>
               </a:ext>
             </a:extLst>
           </p:cNvPr>
@@ -14920,7 +14887,7 @@
           <p:cNvPr id="6" name="Slide Number Placeholder 5">
             <a:extLst>
               <a:ext uri="{FF2B5EF4-FFF2-40B4-BE49-F238E27FC236}">
-                <a16:creationId xmlns:a16="http://schemas.microsoft.com/office/drawing/2014/main" xmlns="" id="{27C8DD3F-C189-4C5E-A0B3-7FC0A49C2D07}"/>
+                <a16:creationId xmlns:a16="http://schemas.microsoft.com/office/drawing/2014/main" id="{27C8DD3F-C189-4C5E-A0B3-7FC0A49C2D07}"/>
               </a:ext>
             </a:extLst>
           </p:cNvPr>
@@ -15009,7 +14976,7 @@
           <p:cNvPr id="2" name="Title 1">
             <a:extLst>
               <a:ext uri="{FF2B5EF4-FFF2-40B4-BE49-F238E27FC236}">
-                <a16:creationId xmlns:a16="http://schemas.microsoft.com/office/drawing/2014/main" xmlns="" id="{CC6B8138-4BB7-41ED-A910-C5213C44F068}"/>
+                <a16:creationId xmlns:a16="http://schemas.microsoft.com/office/drawing/2014/main" id="{CC6B8138-4BB7-41ED-A910-C5213C44F068}"/>
               </a:ext>
             </a:extLst>
           </p:cNvPr>
@@ -15053,7 +15020,7 @@
           <p:cNvPr id="3" name="Text Placeholder 2">
             <a:extLst>
               <a:ext uri="{FF2B5EF4-FFF2-40B4-BE49-F238E27FC236}">
-                <a16:creationId xmlns:a16="http://schemas.microsoft.com/office/drawing/2014/main" xmlns="" id="{38447FCD-3CA3-4C2A-93BA-ED381A1F2F44}"/>
+                <a16:creationId xmlns:a16="http://schemas.microsoft.com/office/drawing/2014/main" id="{38447FCD-3CA3-4C2A-93BA-ED381A1F2F44}"/>
               </a:ext>
             </a:extLst>
           </p:cNvPr>
@@ -15449,7 +15416,7 @@
           <p:cNvPr id="4" name="Date Placeholder 3">
             <a:extLst>
               <a:ext uri="{FF2B5EF4-FFF2-40B4-BE49-F238E27FC236}">
-                <a16:creationId xmlns:a16="http://schemas.microsoft.com/office/drawing/2014/main" xmlns="" id="{A47E46B6-3984-4BB7-B0DA-28795B585A04}"/>
+                <a16:creationId xmlns:a16="http://schemas.microsoft.com/office/drawing/2014/main" id="{A47E46B6-3984-4BB7-B0DA-28795B585A04}"/>
               </a:ext>
             </a:extLst>
           </p:cNvPr>
@@ -15481,7 +15448,7 @@
           <p:cNvPr id="5" name="Footer Placeholder 4">
             <a:extLst>
               <a:ext uri="{FF2B5EF4-FFF2-40B4-BE49-F238E27FC236}">
-                <a16:creationId xmlns:a16="http://schemas.microsoft.com/office/drawing/2014/main" xmlns="" id="{E9EE69B6-7D07-40E2-B65A-61CDD8AF0B1D}"/>
+                <a16:creationId xmlns:a16="http://schemas.microsoft.com/office/drawing/2014/main" id="{E9EE69B6-7D07-40E2-B65A-61CDD8AF0B1D}"/>
               </a:ext>
             </a:extLst>
           </p:cNvPr>
@@ -15513,7 +15480,7 @@
           <p:cNvPr id="6" name="Slide Number Placeholder 5">
             <a:extLst>
               <a:ext uri="{FF2B5EF4-FFF2-40B4-BE49-F238E27FC236}">
-                <a16:creationId xmlns:a16="http://schemas.microsoft.com/office/drawing/2014/main" xmlns="" id="{7583EB57-95BD-4379-8A06-02FE794CE5F5}"/>
+                <a16:creationId xmlns:a16="http://schemas.microsoft.com/office/drawing/2014/main" id="{7583EB57-95BD-4379-8A06-02FE794CE5F5}"/>
               </a:ext>
             </a:extLst>
           </p:cNvPr>
@@ -15602,7 +15569,7 @@
           <p:cNvPr id="4" name="Title 3">
             <a:extLst>
               <a:ext uri="{FF2B5EF4-FFF2-40B4-BE49-F238E27FC236}">
-                <a16:creationId xmlns:a16="http://schemas.microsoft.com/office/drawing/2014/main" xmlns="" id="{260EA7C4-B37C-44C1-B69A-ADF75791CA99}"/>
+                <a16:creationId xmlns:a16="http://schemas.microsoft.com/office/drawing/2014/main" id="{260EA7C4-B37C-44C1-B69A-ADF75791CA99}"/>
               </a:ext>
             </a:extLst>
           </p:cNvPr>
@@ -15630,7 +15597,7 @@
           <p:cNvPr id="8" name="Text Placeholder 7">
             <a:extLst>
               <a:ext uri="{FF2B5EF4-FFF2-40B4-BE49-F238E27FC236}">
-                <a16:creationId xmlns:a16="http://schemas.microsoft.com/office/drawing/2014/main" xmlns="" id="{57B19E39-E22A-4A87-95AC-D69AA7DDE0D7}"/>
+                <a16:creationId xmlns:a16="http://schemas.microsoft.com/office/drawing/2014/main" id="{57B19E39-E22A-4A87-95AC-D69AA7DDE0D7}"/>
               </a:ext>
             </a:extLst>
           </p:cNvPr>
@@ -15971,7 +15938,7 @@
           <p:cNvPr id="7" name="Text Placeholder 6">
             <a:extLst>
               <a:ext uri="{FF2B5EF4-FFF2-40B4-BE49-F238E27FC236}">
-                <a16:creationId xmlns:a16="http://schemas.microsoft.com/office/drawing/2014/main" xmlns="" id="{A210D205-45C1-492C-8649-63B2CC0D8E09}"/>
+                <a16:creationId xmlns:a16="http://schemas.microsoft.com/office/drawing/2014/main" id="{A210D205-45C1-492C-8649-63B2CC0D8E09}"/>
               </a:ext>
             </a:extLst>
           </p:cNvPr>
@@ -16022,7 +15989,7 @@
           <p:cNvPr id="10" name="Content Placeholder 9" descr="See page 417 in book" title="See slide title">
             <a:extLst>
               <a:ext uri="{FF2B5EF4-FFF2-40B4-BE49-F238E27FC236}">
-                <a16:creationId xmlns:a16="http://schemas.microsoft.com/office/drawing/2014/main" xmlns="" id="{651513BE-7B01-4CD7-961E-2BC821767D11}"/>
+                <a16:creationId xmlns:a16="http://schemas.microsoft.com/office/drawing/2014/main" id="{651513BE-7B01-4CD7-961E-2BC821767D11}"/>
               </a:ext>
             </a:extLst>
           </p:cNvPr>
@@ -16060,7 +16027,7 @@
           <p:cNvPr id="6" name="Footer Placeholder 5">
             <a:extLst>
               <a:ext uri="{FF2B5EF4-FFF2-40B4-BE49-F238E27FC236}">
-                <a16:creationId xmlns:a16="http://schemas.microsoft.com/office/drawing/2014/main" xmlns="" id="{3CD9DDF4-3815-4B91-A6FA-540A77E5C79D}"/>
+                <a16:creationId xmlns:a16="http://schemas.microsoft.com/office/drawing/2014/main" id="{3CD9DDF4-3815-4B91-A6FA-540A77E5C79D}"/>
               </a:ext>
             </a:extLst>
           </p:cNvPr>
@@ -16092,7 +16059,7 @@
           <p:cNvPr id="2" name="Date Placeholder 1">
             <a:extLst>
               <a:ext uri="{FF2B5EF4-FFF2-40B4-BE49-F238E27FC236}">
-                <a16:creationId xmlns:a16="http://schemas.microsoft.com/office/drawing/2014/main" xmlns="" id="{B53E6A0B-A8EA-4B75-A960-5E737DA7965C}"/>
+                <a16:creationId xmlns:a16="http://schemas.microsoft.com/office/drawing/2014/main" id="{B53E6A0B-A8EA-4B75-A960-5E737DA7965C}"/>
               </a:ext>
             </a:extLst>
           </p:cNvPr>
@@ -16124,7 +16091,7 @@
           <p:cNvPr id="3" name="Slide Number Placeholder 2">
             <a:extLst>
               <a:ext uri="{FF2B5EF4-FFF2-40B4-BE49-F238E27FC236}">
-                <a16:creationId xmlns:a16="http://schemas.microsoft.com/office/drawing/2014/main" xmlns="" id="{494BEA84-D1E6-4D7E-8228-A3A88E2217F7}"/>
+                <a16:creationId xmlns:a16="http://schemas.microsoft.com/office/drawing/2014/main" id="{494BEA84-D1E6-4D7E-8228-A3A88E2217F7}"/>
               </a:ext>
             </a:extLst>
           </p:cNvPr>
@@ -16214,7 +16181,7 @@
           <p:cNvPr id="2" name="Title 1">
             <a:extLst>
               <a:ext uri="{FF2B5EF4-FFF2-40B4-BE49-F238E27FC236}">
-                <a16:creationId xmlns:a16="http://schemas.microsoft.com/office/drawing/2014/main" xmlns="" id="{A89AE70C-39BF-4A10-9EED-ACA389A4441A}"/>
+                <a16:creationId xmlns:a16="http://schemas.microsoft.com/office/drawing/2014/main" id="{A89AE70C-39BF-4A10-9EED-ACA389A4441A}"/>
               </a:ext>
             </a:extLst>
           </p:cNvPr>
@@ -16255,7 +16222,7 @@
           <p:cNvPr id="8" name="Content Placeholder 7" descr="Read the exercise description" title="Web page screenshot">
             <a:extLst>
               <a:ext uri="{FF2B5EF4-FFF2-40B4-BE49-F238E27FC236}">
-                <a16:creationId xmlns:a16="http://schemas.microsoft.com/office/drawing/2014/main" xmlns="" id="{7A695776-FD1A-4306-808F-CE31644C4F42}"/>
+                <a16:creationId xmlns:a16="http://schemas.microsoft.com/office/drawing/2014/main" id="{7A695776-FD1A-4306-808F-CE31644C4F42}"/>
               </a:ext>
             </a:extLst>
           </p:cNvPr>
@@ -16290,7 +16257,7 @@
           <p:cNvPr id="4" name="Date Placeholder 3">
             <a:extLst>
               <a:ext uri="{FF2B5EF4-FFF2-40B4-BE49-F238E27FC236}">
-                <a16:creationId xmlns:a16="http://schemas.microsoft.com/office/drawing/2014/main" xmlns="" id="{6D400C8A-94CC-4AB0-9058-503A81503EE1}"/>
+                <a16:creationId xmlns:a16="http://schemas.microsoft.com/office/drawing/2014/main" id="{6D400C8A-94CC-4AB0-9058-503A81503EE1}"/>
               </a:ext>
             </a:extLst>
           </p:cNvPr>
@@ -16322,7 +16289,7 @@
           <p:cNvPr id="5" name="Footer Placeholder 4">
             <a:extLst>
               <a:ext uri="{FF2B5EF4-FFF2-40B4-BE49-F238E27FC236}">
-                <a16:creationId xmlns:a16="http://schemas.microsoft.com/office/drawing/2014/main" xmlns="" id="{65D8F54C-AA9A-44A8-95E1-1526EF007E13}"/>
+                <a16:creationId xmlns:a16="http://schemas.microsoft.com/office/drawing/2014/main" id="{65D8F54C-AA9A-44A8-95E1-1526EF007E13}"/>
               </a:ext>
             </a:extLst>
           </p:cNvPr>
@@ -16354,7 +16321,7 @@
           <p:cNvPr id="6" name="Slide Number Placeholder 5">
             <a:extLst>
               <a:ext uri="{FF2B5EF4-FFF2-40B4-BE49-F238E27FC236}">
-                <a16:creationId xmlns:a16="http://schemas.microsoft.com/office/drawing/2014/main" xmlns="" id="{50BDA048-70F8-4D69-B437-2FD8DB6EE2B8}"/>
+                <a16:creationId xmlns:a16="http://schemas.microsoft.com/office/drawing/2014/main" id="{50BDA048-70F8-4D69-B437-2FD8DB6EE2B8}"/>
               </a:ext>
             </a:extLst>
           </p:cNvPr>
@@ -16443,7 +16410,7 @@
           <p:cNvPr id="2" name="Title 1">
             <a:extLst>
               <a:ext uri="{FF2B5EF4-FFF2-40B4-BE49-F238E27FC236}">
-                <a16:creationId xmlns:a16="http://schemas.microsoft.com/office/drawing/2014/main" xmlns="" id="{6F2E6CF7-A8B6-4195-A60D-CFA1B83FA877}"/>
+                <a16:creationId xmlns:a16="http://schemas.microsoft.com/office/drawing/2014/main" id="{6F2E6CF7-A8B6-4195-A60D-CFA1B83FA877}"/>
               </a:ext>
             </a:extLst>
           </p:cNvPr>
@@ -16487,7 +16454,7 @@
           <p:cNvPr id="3" name="Text Placeholder 2">
             <a:extLst>
               <a:ext uri="{FF2B5EF4-FFF2-40B4-BE49-F238E27FC236}">
-                <a16:creationId xmlns:a16="http://schemas.microsoft.com/office/drawing/2014/main" xmlns="" id="{8C6DE4F3-70A7-4925-82DE-142BA14346A7}"/>
+                <a16:creationId xmlns:a16="http://schemas.microsoft.com/office/drawing/2014/main" id="{8C6DE4F3-70A7-4925-82DE-142BA14346A7}"/>
               </a:ext>
             </a:extLst>
           </p:cNvPr>
@@ -16503,7 +16470,7 @@
           <a:bodyPr/>
           <a:lstStyle/>
           <a:p>
-            <a:pPr marL="342900" marR="274320" lvl="0" indent="-342900">
+            <a:pPr marL="342900" marR="274320" indent="-342900">
               <a:spcBef>
                 <a:spcPts val="0"/>
               </a:spcBef>
@@ -16514,11 +16481,37 @@
               <a:buChar char=""/>
             </a:pPr>
             <a:r>
+              <a:rPr lang="en-US" spc="-10">
+                <a:latin typeface="Times New Roman" panose="02020603050405020304" pitchFamily="18" charset="0"/>
+                <a:ea typeface="Times New Roman" panose="02020603050405020304" pitchFamily="18" charset="0"/>
+              </a:rPr>
+              <a:t>GIF	</a:t>
+            </a:r>
+          </a:p>
+          <a:p>
+            <a:pPr marL="342900" marR="274320" lvl="0" indent="-342900">
+              <a:spcBef>
+                <a:spcPts val="0"/>
+              </a:spcBef>
+              <a:spcAft>
+                <a:spcPts val="600"/>
+              </a:spcAft>
+              <a:buFont typeface="Symbol" panose="05050102010706020507" pitchFamily="18" charset="2"/>
+              <a:buChar char=""/>
+            </a:pPr>
+            <a:r>
+              <a:rPr lang="en-US" spc="-10">
+                <a:latin typeface="Times New Roman" panose="02020603050405020304" pitchFamily="18" charset="0"/>
+                <a:ea typeface="Times New Roman" panose="02020603050405020304" pitchFamily="18" charset="0"/>
+              </a:rPr>
+              <a:t>JPEG</a:t>
+            </a:r>
+            <a:r>
               <a:rPr lang="en-US" spc="-10" dirty="0">
                 <a:latin typeface="Times New Roman" panose="02020603050405020304" pitchFamily="18" charset="0"/>
                 <a:ea typeface="Times New Roman" panose="02020603050405020304" pitchFamily="18" charset="0"/>
               </a:rPr>
-              <a:t>JPEG	</a:t>
+              <a:t>	</a:t>
             </a:r>
           </a:p>
           <a:p>
@@ -16533,11 +16526,18 @@
               <a:buChar char=""/>
             </a:pPr>
             <a:r>
+              <a:rPr lang="en-US" spc="-10">
+                <a:latin typeface="Times New Roman" panose="02020603050405020304" pitchFamily="18" charset="0"/>
+                <a:ea typeface="Times New Roman" panose="02020603050405020304" pitchFamily="18" charset="0"/>
+              </a:rPr>
+              <a:t>PNG</a:t>
+            </a:r>
+            <a:r>
               <a:rPr lang="en-US" spc="-10" dirty="0">
                 <a:latin typeface="Times New Roman" panose="02020603050405020304" pitchFamily="18" charset="0"/>
                 <a:ea typeface="Times New Roman" panose="02020603050405020304" pitchFamily="18" charset="0"/>
               </a:rPr>
-              <a:t>GIF	</a:t>
+              <a:t>	</a:t>
             </a:r>
           </a:p>
           <a:p>
@@ -16552,11 +16552,11 @@
               <a:buChar char=""/>
             </a:pPr>
             <a:r>
-              <a:rPr lang="en-US" spc="-10" dirty="0">
+              <a:rPr lang="en-US" spc="-10">
                 <a:latin typeface="Times New Roman" panose="02020603050405020304" pitchFamily="18" charset="0"/>
                 <a:ea typeface="Times New Roman" panose="02020603050405020304" pitchFamily="18" charset="0"/>
               </a:rPr>
-              <a:t>PNG	</a:t>
+              <a:t>WebP</a:t>
             </a:r>
           </a:p>
           <a:p>
@@ -16571,11 +16571,11 @@
               <a:buChar char=""/>
             </a:pPr>
             <a:r>
-              <a:rPr lang="en-US" spc="-10" dirty="0" err="1">
+              <a:rPr lang="en-US" spc="-10">
                 <a:latin typeface="Times New Roman" panose="02020603050405020304" pitchFamily="18" charset="0"/>
                 <a:ea typeface="Times New Roman" panose="02020603050405020304" pitchFamily="18" charset="0"/>
               </a:rPr>
-              <a:t>WebP</a:t>
+              <a:t>SVG</a:t>
             </a:r>
             <a:endParaRPr lang="en-US" spc="-10" dirty="0">
               <a:latin typeface="Times New Roman" panose="02020603050405020304" pitchFamily="18" charset="0"/>
@@ -16589,7 +16589,7 @@
           <p:cNvPr id="4" name="Date Placeholder 3">
             <a:extLst>
               <a:ext uri="{FF2B5EF4-FFF2-40B4-BE49-F238E27FC236}">
-                <a16:creationId xmlns:a16="http://schemas.microsoft.com/office/drawing/2014/main" xmlns="" id="{1C251EC5-207E-478F-BE8F-0DCA35C9B8C4}"/>
+                <a16:creationId xmlns:a16="http://schemas.microsoft.com/office/drawing/2014/main" id="{1C251EC5-207E-478F-BE8F-0DCA35C9B8C4}"/>
               </a:ext>
             </a:extLst>
           </p:cNvPr>
@@ -16621,7 +16621,7 @@
           <p:cNvPr id="5" name="Footer Placeholder 4">
             <a:extLst>
               <a:ext uri="{FF2B5EF4-FFF2-40B4-BE49-F238E27FC236}">
-                <a16:creationId xmlns:a16="http://schemas.microsoft.com/office/drawing/2014/main" xmlns="" id="{8EC7722A-442D-4003-8336-43A72C0E6293}"/>
+                <a16:creationId xmlns:a16="http://schemas.microsoft.com/office/drawing/2014/main" id="{8EC7722A-442D-4003-8336-43A72C0E6293}"/>
               </a:ext>
             </a:extLst>
           </p:cNvPr>
@@ -16653,7 +16653,7 @@
           <p:cNvPr id="6" name="Slide Number Placeholder 5">
             <a:extLst>
               <a:ext uri="{FF2B5EF4-FFF2-40B4-BE49-F238E27FC236}">
-                <a16:creationId xmlns:a16="http://schemas.microsoft.com/office/drawing/2014/main" xmlns="" id="{3689A5E8-DB31-4034-9E72-F3BDB2D651C7}"/>
+                <a16:creationId xmlns:a16="http://schemas.microsoft.com/office/drawing/2014/main" id="{3689A5E8-DB31-4034-9E72-F3BDB2D651C7}"/>
               </a:ext>
             </a:extLst>
           </p:cNvPr>
@@ -16742,7 +16742,7 @@
           <p:cNvPr id="2" name="Title 1">
             <a:extLst>
               <a:ext uri="{FF2B5EF4-FFF2-40B4-BE49-F238E27FC236}">
-                <a16:creationId xmlns:a16="http://schemas.microsoft.com/office/drawing/2014/main" xmlns="" id="{ECA35B14-C29C-4179-A4A1-12DF480916DF}"/>
+                <a16:creationId xmlns:a16="http://schemas.microsoft.com/office/drawing/2014/main" id="{ECA35B14-C29C-4179-A4A1-12DF480916DF}"/>
               </a:ext>
             </a:extLst>
           </p:cNvPr>
@@ -16802,7 +16802,7 @@
           <p:cNvPr id="3" name="Text Placeholder 2">
             <a:extLst>
               <a:ext uri="{FF2B5EF4-FFF2-40B4-BE49-F238E27FC236}">
-                <a16:creationId xmlns:a16="http://schemas.microsoft.com/office/drawing/2014/main" xmlns="" id="{F522C3F8-3F46-4EA1-9A2B-887B10C33C78}"/>
+                <a16:creationId xmlns:a16="http://schemas.microsoft.com/office/drawing/2014/main" id="{F522C3F8-3F46-4EA1-9A2B-887B10C33C78}"/>
               </a:ext>
             </a:extLst>
           </p:cNvPr>
@@ -16927,7 +16927,7 @@
           <p:cNvPr id="4" name="Date Placeholder 3">
             <a:extLst>
               <a:ext uri="{FF2B5EF4-FFF2-40B4-BE49-F238E27FC236}">
-                <a16:creationId xmlns:a16="http://schemas.microsoft.com/office/drawing/2014/main" xmlns="" id="{2E132CF4-9E7F-4566-95BA-3A65B662D711}"/>
+                <a16:creationId xmlns:a16="http://schemas.microsoft.com/office/drawing/2014/main" id="{2E132CF4-9E7F-4566-95BA-3A65B662D711}"/>
               </a:ext>
             </a:extLst>
           </p:cNvPr>
@@ -16962,7 +16962,7 @@
           <p:cNvPr id="5" name="Footer Placeholder 4">
             <a:extLst>
               <a:ext uri="{FF2B5EF4-FFF2-40B4-BE49-F238E27FC236}">
-                <a16:creationId xmlns:a16="http://schemas.microsoft.com/office/drawing/2014/main" xmlns="" id="{6CCADCFB-0910-4870-BBB5-6EB25878D98C}"/>
+                <a16:creationId xmlns:a16="http://schemas.microsoft.com/office/drawing/2014/main" id="{6CCADCFB-0910-4870-BBB5-6EB25878D98C}"/>
               </a:ext>
             </a:extLst>
           </p:cNvPr>
@@ -16993,7 +16993,7 @@
           <p:cNvPr id="6" name="Slide Number Placeholder 5">
             <a:extLst>
               <a:ext uri="{FF2B5EF4-FFF2-40B4-BE49-F238E27FC236}">
-                <a16:creationId xmlns:a16="http://schemas.microsoft.com/office/drawing/2014/main" xmlns="" id="{516C93E1-E9C7-45A5-8D0E-0D3FF3C2F195}"/>
+                <a16:creationId xmlns:a16="http://schemas.microsoft.com/office/drawing/2014/main" id="{516C93E1-E9C7-45A5-8D0E-0D3FF3C2F195}"/>
               </a:ext>
             </a:extLst>
           </p:cNvPr>
@@ -17082,7 +17082,7 @@
           <p:cNvPr id="2" name="Title 1">
             <a:extLst>
               <a:ext uri="{FF2B5EF4-FFF2-40B4-BE49-F238E27FC236}">
-                <a16:creationId xmlns:a16="http://schemas.microsoft.com/office/drawing/2014/main" xmlns="" id="{430CD25E-40EE-4333-8612-A1AC8F3DE1B3}"/>
+                <a16:creationId xmlns:a16="http://schemas.microsoft.com/office/drawing/2014/main" id="{430CD25E-40EE-4333-8612-A1AC8F3DE1B3}"/>
               </a:ext>
             </a:extLst>
           </p:cNvPr>
@@ -17110,7 +17110,7 @@
           <p:cNvPr id="3" name="Text Placeholder 2">
             <a:extLst>
               <a:ext uri="{FF2B5EF4-FFF2-40B4-BE49-F238E27FC236}">
-                <a16:creationId xmlns:a16="http://schemas.microsoft.com/office/drawing/2014/main" xmlns="" id="{44FA73D6-024E-4616-897B-2998A86F7A31}"/>
+                <a16:creationId xmlns:a16="http://schemas.microsoft.com/office/drawing/2014/main" id="{44FA73D6-024E-4616-897B-2998A86F7A31}"/>
               </a:ext>
             </a:extLst>
           </p:cNvPr>
@@ -17185,7 +17185,7 @@
           <p:cNvPr id="4" name="Date Placeholder 3">
             <a:extLst>
               <a:ext uri="{FF2B5EF4-FFF2-40B4-BE49-F238E27FC236}">
-                <a16:creationId xmlns:a16="http://schemas.microsoft.com/office/drawing/2014/main" xmlns="" id="{C9189227-0E37-4D26-9DDB-2139515C7338}"/>
+                <a16:creationId xmlns:a16="http://schemas.microsoft.com/office/drawing/2014/main" id="{C9189227-0E37-4D26-9DDB-2139515C7338}"/>
               </a:ext>
             </a:extLst>
           </p:cNvPr>
@@ -17220,7 +17220,7 @@
           <p:cNvPr id="5" name="Footer Placeholder 4">
             <a:extLst>
               <a:ext uri="{FF2B5EF4-FFF2-40B4-BE49-F238E27FC236}">
-                <a16:creationId xmlns:a16="http://schemas.microsoft.com/office/drawing/2014/main" xmlns="" id="{EEB9811B-4C82-4A51-84FB-F98C7A35F76A}"/>
+                <a16:creationId xmlns:a16="http://schemas.microsoft.com/office/drawing/2014/main" id="{EEB9811B-4C82-4A51-84FB-F98C7A35F76A}"/>
               </a:ext>
             </a:extLst>
           </p:cNvPr>
@@ -17251,7 +17251,7 @@
           <p:cNvPr id="6" name="Slide Number Placeholder 5">
             <a:extLst>
               <a:ext uri="{FF2B5EF4-FFF2-40B4-BE49-F238E27FC236}">
-                <a16:creationId xmlns:a16="http://schemas.microsoft.com/office/drawing/2014/main" xmlns="" id="{FF05C4D2-E1D4-439C-9AC8-396931827A25}"/>
+                <a16:creationId xmlns:a16="http://schemas.microsoft.com/office/drawing/2014/main" id="{FF05C4D2-E1D4-439C-9AC8-396931827A25}"/>
               </a:ext>
             </a:extLst>
           </p:cNvPr>
@@ -17340,7 +17340,7 @@
           <p:cNvPr id="2" name="Title 1">
             <a:extLst>
               <a:ext uri="{FF2B5EF4-FFF2-40B4-BE49-F238E27FC236}">
-                <a16:creationId xmlns:a16="http://schemas.microsoft.com/office/drawing/2014/main" xmlns="" id="{811716D8-EFD8-492D-A5D2-174A93A00510}"/>
+                <a16:creationId xmlns:a16="http://schemas.microsoft.com/office/drawing/2014/main" id="{811716D8-EFD8-492D-A5D2-174A93A00510}"/>
               </a:ext>
             </a:extLst>
           </p:cNvPr>
@@ -17384,7 +17384,7 @@
           <p:cNvPr id="3" name="Text Placeholder 2">
             <a:extLst>
               <a:ext uri="{FF2B5EF4-FFF2-40B4-BE49-F238E27FC236}">
-                <a16:creationId xmlns:a16="http://schemas.microsoft.com/office/drawing/2014/main" xmlns="" id="{83F9AD52-9616-4765-9121-C88406383D7E}"/>
+                <a16:creationId xmlns:a16="http://schemas.microsoft.com/office/drawing/2014/main" id="{83F9AD52-9616-4765-9121-C88406383D7E}"/>
               </a:ext>
             </a:extLst>
           </p:cNvPr>
@@ -17711,7 +17711,7 @@
           <p:cNvPr id="4" name="Date Placeholder 3">
             <a:extLst>
               <a:ext uri="{FF2B5EF4-FFF2-40B4-BE49-F238E27FC236}">
-                <a16:creationId xmlns:a16="http://schemas.microsoft.com/office/drawing/2014/main" xmlns="" id="{A0B87FAC-9715-46E6-BD87-DB26947E32A9}"/>
+                <a16:creationId xmlns:a16="http://schemas.microsoft.com/office/drawing/2014/main" id="{A0B87FAC-9715-46E6-BD87-DB26947E32A9}"/>
               </a:ext>
             </a:extLst>
           </p:cNvPr>
@@ -17743,7 +17743,7 @@
           <p:cNvPr id="5" name="Footer Placeholder 4">
             <a:extLst>
               <a:ext uri="{FF2B5EF4-FFF2-40B4-BE49-F238E27FC236}">
-                <a16:creationId xmlns:a16="http://schemas.microsoft.com/office/drawing/2014/main" xmlns="" id="{F8E5B47D-F168-4997-BD33-780E63A6B770}"/>
+                <a16:creationId xmlns:a16="http://schemas.microsoft.com/office/drawing/2014/main" id="{F8E5B47D-F168-4997-BD33-780E63A6B770}"/>
               </a:ext>
             </a:extLst>
           </p:cNvPr>
@@ -17774,7 +17774,7 @@
           <p:cNvPr id="6" name="Slide Number Placeholder 5">
             <a:extLst>
               <a:ext uri="{FF2B5EF4-FFF2-40B4-BE49-F238E27FC236}">
-                <a16:creationId xmlns:a16="http://schemas.microsoft.com/office/drawing/2014/main" xmlns="" id="{D7B57127-88E2-4F81-B70A-6ED02179C666}"/>
+                <a16:creationId xmlns:a16="http://schemas.microsoft.com/office/drawing/2014/main" id="{D7B57127-88E2-4F81-B70A-6ED02179C666}"/>
               </a:ext>
             </a:extLst>
           </p:cNvPr>
@@ -17863,7 +17863,7 @@
           <p:cNvPr id="2" name="Title 1">
             <a:extLst>
               <a:ext uri="{FF2B5EF4-FFF2-40B4-BE49-F238E27FC236}">
-                <a16:creationId xmlns:a16="http://schemas.microsoft.com/office/drawing/2014/main" xmlns="" id="{DC7F7A84-D307-4DD8-9C3F-26345F3E6068}"/>
+                <a16:creationId xmlns:a16="http://schemas.microsoft.com/office/drawing/2014/main" id="{DC7F7A84-D307-4DD8-9C3F-26345F3E6068}"/>
               </a:ext>
             </a:extLst>
           </p:cNvPr>
@@ -17891,7 +17891,7 @@
           <p:cNvPr id="10" name="Content Placeholder 9" descr="See page 394 in book" title="See slide title">
             <a:extLst>
               <a:ext uri="{FF2B5EF4-FFF2-40B4-BE49-F238E27FC236}">
-                <a16:creationId xmlns:a16="http://schemas.microsoft.com/office/drawing/2014/main" xmlns="" id="{F7ABA902-6EE0-4FB2-902B-A878579D3522}"/>
+                <a16:creationId xmlns:a16="http://schemas.microsoft.com/office/drawing/2014/main" id="{F7ABA902-6EE0-4FB2-902B-A878579D3522}"/>
               </a:ext>
             </a:extLst>
           </p:cNvPr>
@@ -17923,7 +17923,7 @@
           <p:cNvPr id="4" name="Date Placeholder 3">
             <a:extLst>
               <a:ext uri="{FF2B5EF4-FFF2-40B4-BE49-F238E27FC236}">
-                <a16:creationId xmlns:a16="http://schemas.microsoft.com/office/drawing/2014/main" xmlns="" id="{A6DCDEC0-0EBF-4B29-BD44-578C0E5201CA}"/>
+                <a16:creationId xmlns:a16="http://schemas.microsoft.com/office/drawing/2014/main" id="{A6DCDEC0-0EBF-4B29-BD44-578C0E5201CA}"/>
               </a:ext>
             </a:extLst>
           </p:cNvPr>
@@ -17955,7 +17955,7 @@
           <p:cNvPr id="5" name="Footer Placeholder 4">
             <a:extLst>
               <a:ext uri="{FF2B5EF4-FFF2-40B4-BE49-F238E27FC236}">
-                <a16:creationId xmlns:a16="http://schemas.microsoft.com/office/drawing/2014/main" xmlns="" id="{9809EFAA-BAE3-44A4-9D40-6C05964C4C3F}"/>
+                <a16:creationId xmlns:a16="http://schemas.microsoft.com/office/drawing/2014/main" id="{9809EFAA-BAE3-44A4-9D40-6C05964C4C3F}"/>
               </a:ext>
             </a:extLst>
           </p:cNvPr>
@@ -17987,7 +17987,7 @@
           <p:cNvPr id="6" name="Slide Number Placeholder 5">
             <a:extLst>
               <a:ext uri="{FF2B5EF4-FFF2-40B4-BE49-F238E27FC236}">
-                <a16:creationId xmlns:a16="http://schemas.microsoft.com/office/drawing/2014/main" xmlns="" id="{59CB4FF7-F97B-4C8E-8227-7E4F8CD37A96}"/>
+                <a16:creationId xmlns:a16="http://schemas.microsoft.com/office/drawing/2014/main" id="{59CB4FF7-F97B-4C8E-8227-7E4F8CD37A96}"/>
               </a:ext>
             </a:extLst>
           </p:cNvPr>
@@ -18076,7 +18076,7 @@
           <p:cNvPr id="2" name="Title 1">
             <a:extLst>
               <a:ext uri="{FF2B5EF4-FFF2-40B4-BE49-F238E27FC236}">
-                <a16:creationId xmlns:a16="http://schemas.microsoft.com/office/drawing/2014/main" xmlns="" id="{1D0AFEDC-A7B7-498D-9533-B235DB7B44F1}"/>
+                <a16:creationId xmlns:a16="http://schemas.microsoft.com/office/drawing/2014/main" id="{1D0AFEDC-A7B7-498D-9533-B235DB7B44F1}"/>
               </a:ext>
             </a:extLst>
           </p:cNvPr>
@@ -18120,7 +18120,7 @@
           <p:cNvPr id="3" name="Text Placeholder 2">
             <a:extLst>
               <a:ext uri="{FF2B5EF4-FFF2-40B4-BE49-F238E27FC236}">
-                <a16:creationId xmlns:a16="http://schemas.microsoft.com/office/drawing/2014/main" xmlns="" id="{D30CDEC1-DA50-4441-826B-0ADB869F2B3E}"/>
+                <a16:creationId xmlns:a16="http://schemas.microsoft.com/office/drawing/2014/main" id="{D30CDEC1-DA50-4441-826B-0ADB869F2B3E}"/>
               </a:ext>
             </a:extLst>
           </p:cNvPr>
@@ -18183,7 +18183,7 @@
           <p:cNvPr id="4" name="Date Placeholder 3">
             <a:extLst>
               <a:ext uri="{FF2B5EF4-FFF2-40B4-BE49-F238E27FC236}">
-                <a16:creationId xmlns:a16="http://schemas.microsoft.com/office/drawing/2014/main" xmlns="" id="{4839D5A4-9029-4BB0-A225-35447A55C3D1}"/>
+                <a16:creationId xmlns:a16="http://schemas.microsoft.com/office/drawing/2014/main" id="{4839D5A4-9029-4BB0-A225-35447A55C3D1}"/>
               </a:ext>
             </a:extLst>
           </p:cNvPr>
@@ -18218,7 +18218,7 @@
           <p:cNvPr id="5" name="Footer Placeholder 4">
             <a:extLst>
               <a:ext uri="{FF2B5EF4-FFF2-40B4-BE49-F238E27FC236}">
-                <a16:creationId xmlns:a16="http://schemas.microsoft.com/office/drawing/2014/main" xmlns="" id="{6740E6A8-ED2E-4C13-B80C-34ED31D4FB0D}"/>
+                <a16:creationId xmlns:a16="http://schemas.microsoft.com/office/drawing/2014/main" id="{6740E6A8-ED2E-4C13-B80C-34ED31D4FB0D}"/>
               </a:ext>
             </a:extLst>
           </p:cNvPr>
@@ -18249,7 +18249,7 @@
           <p:cNvPr id="6" name="Slide Number Placeholder 5">
             <a:extLst>
               <a:ext uri="{FF2B5EF4-FFF2-40B4-BE49-F238E27FC236}">
-                <a16:creationId xmlns:a16="http://schemas.microsoft.com/office/drawing/2014/main" xmlns="" id="{5B68C545-9190-4D17-94CB-BC9917EA119E}"/>
+                <a16:creationId xmlns:a16="http://schemas.microsoft.com/office/drawing/2014/main" id="{5B68C545-9190-4D17-94CB-BC9917EA119E}"/>
               </a:ext>
             </a:extLst>
           </p:cNvPr>
